--- a/reference/MultiVar Editable Figures 03Feb2025.pptx
+++ b/reference/MultiVar Editable Figures 03Feb2025.pptx
@@ -12394,7 +12394,7 @@
           </p:nvSpPr>
           <p:spPr>
             <a:xfrm>
-              <a:off x="4723614" y="3264557"/>
+              <a:off x="4723695" y="3264624"/>
               <a:ext cx="888928" cy="131139"/>
             </a:xfrm>
             <a:prstGeom prst="rect">
@@ -12440,7 +12440,7 @@
           </p:nvSpPr>
           <p:spPr>
             <a:xfrm>
-              <a:off x="3030029" y="4070590"/>
+              <a:off x="3027997" y="4070785"/>
               <a:ext cx="815816" cy="131139"/>
             </a:xfrm>
             <a:prstGeom prst="rect">
@@ -12486,7 +12486,7 @@
           </p:nvSpPr>
           <p:spPr>
             <a:xfrm>
-              <a:off x="5117322" y="2639587"/>
+              <a:off x="5110005" y="2639671"/>
               <a:ext cx="851744" cy="131139"/>
             </a:xfrm>
             <a:prstGeom prst="rect">
@@ -12532,7 +12532,7 @@
           </p:nvSpPr>
           <p:spPr>
             <a:xfrm>
-              <a:off x="5190434" y="2859858"/>
+              <a:off x="5105500" y="2859577"/>
               <a:ext cx="778631" cy="104871"/>
             </a:xfrm>
             <a:prstGeom prst="rect">
@@ -14934,7 +14934,7 @@
           </p:nvSpPr>
           <p:spPr>
             <a:xfrm>
-              <a:off x="1602565" y="2395818"/>
+              <a:off x="1564066" y="2395818"/>
               <a:ext cx="71332" cy="71332"/>
             </a:xfrm>
             <a:prstGeom prst="ellipse">
@@ -14969,7 +14969,7 @@
           </p:nvSpPr>
           <p:spPr>
             <a:xfrm>
-              <a:off x="1681144" y="2395818"/>
+              <a:off x="1694570" y="2395818"/>
               <a:ext cx="71332" cy="71332"/>
             </a:xfrm>
             <a:prstGeom prst="ellipse">
@@ -15004,7 +15004,7 @@
           </p:nvSpPr>
           <p:spPr>
             <a:xfrm>
-              <a:off x="1587666" y="2414876"/>
+              <a:off x="1657291" y="2414876"/>
               <a:ext cx="71332" cy="71332"/>
             </a:xfrm>
             <a:prstGeom prst="ellipse">
@@ -15039,7 +15039,7 @@
           </p:nvSpPr>
           <p:spPr>
             <a:xfrm>
-              <a:off x="1609914" y="2376760"/>
+              <a:off x="1732784" y="2376760"/>
               <a:ext cx="71332" cy="71332"/>
             </a:xfrm>
             <a:prstGeom prst="ellipse">
@@ -15074,7 +15074,7 @@
           </p:nvSpPr>
           <p:spPr>
             <a:xfrm>
-              <a:off x="1715602" y="2395818"/>
+              <a:off x="1569607" y="2395818"/>
               <a:ext cx="71332" cy="71332"/>
             </a:xfrm>
             <a:prstGeom prst="ellipse">
@@ -15109,7 +15109,7 @@
           </p:nvSpPr>
           <p:spPr>
             <a:xfrm>
-              <a:off x="1654289" y="2338644"/>
+              <a:off x="1552383" y="2338644"/>
               <a:ext cx="71332" cy="71332"/>
             </a:xfrm>
             <a:prstGeom prst="ellipse">
@@ -15144,7 +15144,7 @@
           </p:nvSpPr>
           <p:spPr>
             <a:xfrm>
-              <a:off x="1666806" y="2395818"/>
+              <a:off x="1541718" y="2395818"/>
               <a:ext cx="71332" cy="71332"/>
             </a:xfrm>
             <a:prstGeom prst="ellipse">
@@ -15179,7 +15179,7 @@
           </p:nvSpPr>
           <p:spPr>
             <a:xfrm>
-              <a:off x="1678588" y="2376760"/>
+              <a:off x="1734230" y="2376760"/>
               <a:ext cx="71332" cy="71332"/>
             </a:xfrm>
             <a:prstGeom prst="ellipse">
@@ -15214,7 +15214,7 @@
           </p:nvSpPr>
           <p:spPr>
             <a:xfrm>
-              <a:off x="1601509" y="2395818"/>
+              <a:off x="1638704" y="2395818"/>
               <a:ext cx="71332" cy="71332"/>
             </a:xfrm>
             <a:prstGeom prst="ellipse">
@@ -15249,7 +15249,7 @@
           </p:nvSpPr>
           <p:spPr>
             <a:xfrm>
-              <a:off x="1574018" y="2376760"/>
+              <a:off x="1724566" y="2376760"/>
               <a:ext cx="71332" cy="71332"/>
             </a:xfrm>
             <a:prstGeom prst="ellipse">
@@ -15284,7 +15284,7 @@
           </p:nvSpPr>
           <p:spPr>
             <a:xfrm>
-              <a:off x="1630281" y="2376760"/>
+              <a:off x="1637212" y="2376760"/>
               <a:ext cx="71332" cy="71332"/>
             </a:xfrm>
             <a:prstGeom prst="ellipse">
@@ -15319,7 +15319,7 @@
           </p:nvSpPr>
           <p:spPr>
             <a:xfrm>
-              <a:off x="1541580" y="2357702"/>
+              <a:off x="1657139" y="2357702"/>
               <a:ext cx="71332" cy="71332"/>
             </a:xfrm>
             <a:prstGeom prst="ellipse">
@@ -15354,7 +15354,7 @@
           </p:nvSpPr>
           <p:spPr>
             <a:xfrm>
-              <a:off x="1604651" y="2395818"/>
+              <a:off x="1697392" y="2395818"/>
               <a:ext cx="71332" cy="71332"/>
             </a:xfrm>
             <a:prstGeom prst="ellipse">
@@ -15389,7 +15389,7 @@
           </p:nvSpPr>
           <p:spPr>
             <a:xfrm>
-              <a:off x="1732126" y="2452992"/>
+              <a:off x="1541058" y="2452992"/>
               <a:ext cx="71332" cy="71332"/>
             </a:xfrm>
             <a:prstGeom prst="ellipse">
@@ -15424,7 +15424,7 @@
           </p:nvSpPr>
           <p:spPr>
             <a:xfrm>
-              <a:off x="1563172" y="2433934"/>
+              <a:off x="1651942" y="2433934"/>
               <a:ext cx="71332" cy="71332"/>
             </a:xfrm>
             <a:prstGeom prst="ellipse">
@@ -15459,7 +15459,7 @@
           </p:nvSpPr>
           <p:spPr>
             <a:xfrm>
-              <a:off x="1697131" y="2376760"/>
+              <a:off x="1640513" y="2376760"/>
               <a:ext cx="71332" cy="71332"/>
             </a:xfrm>
             <a:prstGeom prst="ellipse">
@@ -15494,7 +15494,7 @@
           </p:nvSpPr>
           <p:spPr>
             <a:xfrm>
-              <a:off x="1628327" y="2414876"/>
+              <a:off x="1645874" y="2414876"/>
               <a:ext cx="71332" cy="71332"/>
             </a:xfrm>
             <a:prstGeom prst="ellipse">
@@ -15529,7 +15529,7 @@
           </p:nvSpPr>
           <p:spPr>
             <a:xfrm>
-              <a:off x="1571539" y="2395818"/>
+              <a:off x="1726569" y="2395818"/>
               <a:ext cx="71332" cy="71332"/>
             </a:xfrm>
             <a:prstGeom prst="ellipse">
@@ -15564,7 +15564,7 @@
           </p:nvSpPr>
           <p:spPr>
             <a:xfrm>
-              <a:off x="1655435" y="2338644"/>
+              <a:off x="1670136" y="2338644"/>
               <a:ext cx="71332" cy="71332"/>
             </a:xfrm>
             <a:prstGeom prst="ellipse">
@@ -15599,7 +15599,7 @@
           </p:nvSpPr>
           <p:spPr>
             <a:xfrm>
-              <a:off x="1601230" y="2376760"/>
+              <a:off x="1731380" y="2376760"/>
               <a:ext cx="71332" cy="71332"/>
             </a:xfrm>
             <a:prstGeom prst="ellipse">
@@ -15634,7 +15634,7 @@
           </p:nvSpPr>
           <p:spPr>
             <a:xfrm>
-              <a:off x="1620850" y="2338644"/>
+              <a:off x="1730324" y="2338644"/>
               <a:ext cx="71332" cy="71332"/>
             </a:xfrm>
             <a:prstGeom prst="ellipse">
@@ -15669,7 +15669,7 @@
           </p:nvSpPr>
           <p:spPr>
             <a:xfrm>
-              <a:off x="1692759" y="2376760"/>
+              <a:off x="1567351" y="2376760"/>
               <a:ext cx="71332" cy="71332"/>
             </a:xfrm>
             <a:prstGeom prst="ellipse">
@@ -15704,7 +15704,7 @@
           </p:nvSpPr>
           <p:spPr>
             <a:xfrm>
-              <a:off x="1557693" y="2472050"/>
+              <a:off x="1658000" y="2472050"/>
               <a:ext cx="71332" cy="71332"/>
             </a:xfrm>
             <a:prstGeom prst="ellipse">
@@ -15739,7 +15739,7 @@
           </p:nvSpPr>
           <p:spPr>
             <a:xfrm>
-              <a:off x="1706473" y="2338644"/>
+              <a:off x="1555373" y="2338644"/>
               <a:ext cx="71332" cy="71332"/>
             </a:xfrm>
             <a:prstGeom prst="ellipse">
@@ -15774,7 +15774,7 @@
           </p:nvSpPr>
           <p:spPr>
             <a:xfrm>
-              <a:off x="1639796" y="2300528"/>
+              <a:off x="1565588" y="2300528"/>
               <a:ext cx="71332" cy="71332"/>
             </a:xfrm>
             <a:prstGeom prst="ellipse">
@@ -15809,7 +15809,7 @@
           </p:nvSpPr>
           <p:spPr>
             <a:xfrm>
-              <a:off x="1641373" y="2357702"/>
+              <a:off x="1547316" y="2357702"/>
               <a:ext cx="71332" cy="71332"/>
             </a:xfrm>
             <a:prstGeom prst="ellipse">
@@ -15844,7 +15844,7 @@
           </p:nvSpPr>
           <p:spPr>
             <a:xfrm>
-              <a:off x="1538615" y="2357702"/>
+              <a:off x="1725435" y="2357702"/>
               <a:ext cx="71332" cy="71332"/>
             </a:xfrm>
             <a:prstGeom prst="ellipse">
@@ -15879,7 +15879,7 @@
           </p:nvSpPr>
           <p:spPr>
             <a:xfrm>
-              <a:off x="1574099" y="2376760"/>
+              <a:off x="1562843" y="2376760"/>
               <a:ext cx="71332" cy="71332"/>
             </a:xfrm>
             <a:prstGeom prst="ellipse">
@@ -15914,7 +15914,7 @@
           </p:nvSpPr>
           <p:spPr>
             <a:xfrm>
-              <a:off x="1694905" y="2395818"/>
+              <a:off x="1540646" y="2395818"/>
               <a:ext cx="71332" cy="71332"/>
             </a:xfrm>
             <a:prstGeom prst="ellipse">
@@ -15949,7 +15949,7 @@
           </p:nvSpPr>
           <p:spPr>
             <a:xfrm>
-              <a:off x="1545065" y="2357702"/>
+              <a:off x="1633791" y="2357702"/>
               <a:ext cx="71332" cy="71332"/>
             </a:xfrm>
             <a:prstGeom prst="ellipse">
@@ -15984,7 +15984,7 @@
           </p:nvSpPr>
           <p:spPr>
             <a:xfrm>
-              <a:off x="1662912" y="2357702"/>
+              <a:off x="1623831" y="2357702"/>
               <a:ext cx="71332" cy="71332"/>
             </a:xfrm>
             <a:prstGeom prst="ellipse">
@@ -16019,7 +16019,7 @@
           </p:nvSpPr>
           <p:spPr>
             <a:xfrm>
-              <a:off x="1716559" y="2376760"/>
+              <a:off x="1542923" y="2376760"/>
               <a:ext cx="71332" cy="71332"/>
             </a:xfrm>
             <a:prstGeom prst="ellipse">
@@ -16054,7 +16054,7 @@
           </p:nvSpPr>
           <p:spPr>
             <a:xfrm>
-              <a:off x="1658432" y="2376760"/>
+              <a:off x="1644161" y="2376760"/>
               <a:ext cx="71332" cy="71332"/>
             </a:xfrm>
             <a:prstGeom prst="ellipse">
@@ -16089,7 +16089,7 @@
           </p:nvSpPr>
           <p:spPr>
             <a:xfrm>
-              <a:off x="1633353" y="2395818"/>
+              <a:off x="1609666" y="2395818"/>
               <a:ext cx="71332" cy="71332"/>
             </a:xfrm>
             <a:prstGeom prst="ellipse">
@@ -16124,7 +16124,7 @@
           </p:nvSpPr>
           <p:spPr>
             <a:xfrm>
-              <a:off x="1646545" y="2376760"/>
+              <a:off x="1552824" y="2376760"/>
               <a:ext cx="71332" cy="71332"/>
             </a:xfrm>
             <a:prstGeom prst="ellipse">
@@ -16159,7 +16159,7 @@
           </p:nvSpPr>
           <p:spPr>
             <a:xfrm>
-              <a:off x="1643022" y="2433934"/>
+              <a:off x="1702649" y="2433934"/>
               <a:ext cx="71332" cy="71332"/>
             </a:xfrm>
             <a:prstGeom prst="ellipse">
@@ -16194,7 +16194,7 @@
           </p:nvSpPr>
           <p:spPr>
             <a:xfrm>
-              <a:off x="1582535" y="2414876"/>
+              <a:off x="1674994" y="2414876"/>
               <a:ext cx="71332" cy="71332"/>
             </a:xfrm>
             <a:prstGeom prst="ellipse">
@@ -16229,7 +16229,7 @@
           </p:nvSpPr>
           <p:spPr>
             <a:xfrm>
-              <a:off x="1635767" y="2395818"/>
+              <a:off x="1686686" y="2395818"/>
               <a:ext cx="71332" cy="71332"/>
             </a:xfrm>
             <a:prstGeom prst="ellipse">
@@ -16264,7 +16264,7 @@
           </p:nvSpPr>
           <p:spPr>
             <a:xfrm>
-              <a:off x="1537323" y="2414876"/>
+              <a:off x="1571943" y="2414876"/>
               <a:ext cx="71332" cy="71332"/>
             </a:xfrm>
             <a:prstGeom prst="ellipse">
@@ -16299,7 +16299,7 @@
           </p:nvSpPr>
           <p:spPr>
             <a:xfrm>
-              <a:off x="1738855" y="2376760"/>
+              <a:off x="1735164" y="2376760"/>
               <a:ext cx="71332" cy="71332"/>
             </a:xfrm>
             <a:prstGeom prst="ellipse">
@@ -16334,7 +16334,7 @@
           </p:nvSpPr>
           <p:spPr>
             <a:xfrm>
-              <a:off x="1597094" y="2414876"/>
+              <a:off x="1609943" y="2414876"/>
               <a:ext cx="71332" cy="71332"/>
             </a:xfrm>
             <a:prstGeom prst="ellipse">
@@ -16369,7 +16369,7 @@
           </p:nvSpPr>
           <p:spPr>
             <a:xfrm>
-              <a:off x="1626733" y="2414876"/>
+              <a:off x="1542886" y="2414876"/>
               <a:ext cx="71332" cy="71332"/>
             </a:xfrm>
             <a:prstGeom prst="ellipse">
@@ -16404,7 +16404,7 @@
           </p:nvSpPr>
           <p:spPr>
             <a:xfrm>
-              <a:off x="1621230" y="2414876"/>
+              <a:off x="1688592" y="2414876"/>
               <a:ext cx="71332" cy="71332"/>
             </a:xfrm>
             <a:prstGeom prst="ellipse">
@@ -16439,7 +16439,7 @@
           </p:nvSpPr>
           <p:spPr>
             <a:xfrm>
-              <a:off x="1643016" y="2357702"/>
+              <a:off x="1590867" y="2357702"/>
               <a:ext cx="71332" cy="71332"/>
             </a:xfrm>
             <a:prstGeom prst="ellipse">
@@ -16474,7 +16474,7 @@
           </p:nvSpPr>
           <p:spPr>
             <a:xfrm>
-              <a:off x="1733452" y="2300528"/>
+              <a:off x="1685456" y="2300528"/>
               <a:ext cx="71332" cy="71332"/>
             </a:xfrm>
             <a:prstGeom prst="ellipse">
@@ -16509,7 +16509,7 @@
           </p:nvSpPr>
           <p:spPr>
             <a:xfrm>
-              <a:off x="1603834" y="2395818"/>
+              <a:off x="1678605" y="2395818"/>
               <a:ext cx="71332" cy="71332"/>
             </a:xfrm>
             <a:prstGeom prst="ellipse">
@@ -16544,7 +16544,7 @@
           </p:nvSpPr>
           <p:spPr>
             <a:xfrm>
-              <a:off x="1540450" y="2357702"/>
+              <a:off x="1656233" y="2357702"/>
               <a:ext cx="71332" cy="71332"/>
             </a:xfrm>
             <a:prstGeom prst="ellipse">
@@ -16579,7 +16579,7 @@
           </p:nvSpPr>
           <p:spPr>
             <a:xfrm>
-              <a:off x="1714372" y="2395818"/>
+              <a:off x="1623655" y="2395818"/>
               <a:ext cx="71332" cy="71332"/>
             </a:xfrm>
             <a:prstGeom prst="ellipse">
@@ -16614,7 +16614,7 @@
           </p:nvSpPr>
           <p:spPr>
             <a:xfrm>
-              <a:off x="1644683" y="2376760"/>
+              <a:off x="1671347" y="2376760"/>
               <a:ext cx="71332" cy="71332"/>
             </a:xfrm>
             <a:prstGeom prst="ellipse">
@@ -16649,7 +16649,7 @@
           </p:nvSpPr>
           <p:spPr>
             <a:xfrm>
-              <a:off x="1650192" y="2395818"/>
+              <a:off x="1690748" y="2395818"/>
               <a:ext cx="71332" cy="71332"/>
             </a:xfrm>
             <a:prstGeom prst="ellipse">
@@ -16684,7 +16684,7 @@
           </p:nvSpPr>
           <p:spPr>
             <a:xfrm>
-              <a:off x="2332331" y="1766903"/>
+              <a:off x="2260490" y="1766903"/>
               <a:ext cx="71332" cy="71332"/>
             </a:xfrm>
             <a:prstGeom prst="ellipse">
@@ -16719,7 +16719,7 @@
           </p:nvSpPr>
           <p:spPr>
             <a:xfrm>
-              <a:off x="2258756" y="1805019"/>
+              <a:off x="2392859" y="1805019"/>
               <a:ext cx="71332" cy="71332"/>
             </a:xfrm>
             <a:prstGeom prst="ellipse">
@@ -16754,7 +16754,7 @@
           </p:nvSpPr>
           <p:spPr>
             <a:xfrm>
-              <a:off x="2234276" y="1728787"/>
+              <a:off x="2340639" y="1728787"/>
               <a:ext cx="71332" cy="71332"/>
             </a:xfrm>
             <a:prstGeom prst="ellipse">
@@ -16789,7 +16789,7 @@
           </p:nvSpPr>
           <p:spPr>
             <a:xfrm>
-              <a:off x="2269096" y="1900310"/>
+              <a:off x="2335616" y="1900310"/>
               <a:ext cx="71332" cy="71332"/>
             </a:xfrm>
             <a:prstGeom prst="ellipse">
@@ -16824,7 +16824,7 @@
           </p:nvSpPr>
           <p:spPr>
             <a:xfrm>
-              <a:off x="2350755" y="1785961"/>
+              <a:off x="2286867" y="1785961"/>
               <a:ext cx="71332" cy="71332"/>
             </a:xfrm>
             <a:prstGeom prst="ellipse">
@@ -16859,7 +16859,7 @@
           </p:nvSpPr>
           <p:spPr>
             <a:xfrm>
-              <a:off x="2368210" y="1805019"/>
+              <a:off x="2246395" y="1805019"/>
               <a:ext cx="71332" cy="71332"/>
             </a:xfrm>
             <a:prstGeom prst="ellipse">
@@ -16894,7 +16894,7 @@
           </p:nvSpPr>
           <p:spPr>
             <a:xfrm>
-              <a:off x="2295747" y="1766903"/>
+              <a:off x="2374519" y="1766903"/>
               <a:ext cx="71332" cy="71332"/>
             </a:xfrm>
             <a:prstGeom prst="ellipse">
@@ -16929,7 +16929,7 @@
           </p:nvSpPr>
           <p:spPr>
             <a:xfrm>
-              <a:off x="2311551" y="2033716"/>
+              <a:off x="2357419" y="2033716"/>
               <a:ext cx="71332" cy="71332"/>
             </a:xfrm>
             <a:prstGeom prst="ellipse">
@@ -16964,7 +16964,7 @@
           </p:nvSpPr>
           <p:spPr>
             <a:xfrm>
-              <a:off x="2314075" y="1785961"/>
+              <a:off x="2242956" y="1785961"/>
               <a:ext cx="71332" cy="71332"/>
             </a:xfrm>
             <a:prstGeom prst="ellipse">
@@ -16999,7 +16999,7 @@
           </p:nvSpPr>
           <p:spPr>
             <a:xfrm>
-              <a:off x="2413951" y="1919368"/>
+              <a:off x="2383218" y="1919368"/>
               <a:ext cx="71332" cy="71332"/>
             </a:xfrm>
             <a:prstGeom prst="ellipse">
@@ -17034,7 +17034,7 @@
           </p:nvSpPr>
           <p:spPr>
             <a:xfrm>
-              <a:off x="2350076" y="1995600"/>
+              <a:off x="2390055" y="1995600"/>
               <a:ext cx="71332" cy="71332"/>
             </a:xfrm>
             <a:prstGeom prst="ellipse">
@@ -17069,7 +17069,7 @@
           </p:nvSpPr>
           <p:spPr>
             <a:xfrm>
-              <a:off x="2359226" y="1862194"/>
+              <a:off x="2236173" y="1862194"/>
               <a:ext cx="71332" cy="71332"/>
             </a:xfrm>
             <a:prstGeom prst="ellipse">
@@ -17104,7 +17104,7 @@
           </p:nvSpPr>
           <p:spPr>
             <a:xfrm>
-              <a:off x="2304020" y="1900310"/>
+              <a:off x="2399170" y="1900310"/>
               <a:ext cx="71332" cy="71332"/>
             </a:xfrm>
             <a:prstGeom prst="ellipse">
@@ -17139,7 +17139,7 @@
           </p:nvSpPr>
           <p:spPr>
             <a:xfrm>
-              <a:off x="2370529" y="1766903"/>
+              <a:off x="2374363" y="1766903"/>
               <a:ext cx="71332" cy="71332"/>
             </a:xfrm>
             <a:prstGeom prst="ellipse">
@@ -17174,7 +17174,7 @@
           </p:nvSpPr>
           <p:spPr>
             <a:xfrm>
-              <a:off x="2388462" y="1976542"/>
+              <a:off x="2345782" y="1976542"/>
               <a:ext cx="71332" cy="71332"/>
             </a:xfrm>
             <a:prstGeom prst="ellipse">
@@ -17209,7 +17209,7 @@
           </p:nvSpPr>
           <p:spPr>
             <a:xfrm>
-              <a:off x="2239602" y="1824078"/>
+              <a:off x="2274465" y="1824078"/>
               <a:ext cx="71332" cy="71332"/>
             </a:xfrm>
             <a:prstGeom prst="ellipse">
@@ -17244,7 +17244,7 @@
           </p:nvSpPr>
           <p:spPr>
             <a:xfrm>
-              <a:off x="2337399" y="1805019"/>
+              <a:off x="2381023" y="1805019"/>
               <a:ext cx="71332" cy="71332"/>
             </a:xfrm>
             <a:prstGeom prst="ellipse">
@@ -17279,7 +17279,7 @@
           </p:nvSpPr>
           <p:spPr>
             <a:xfrm>
-              <a:off x="2261830" y="1881252"/>
+              <a:off x="2414782" y="1881252"/>
               <a:ext cx="71332" cy="71332"/>
             </a:xfrm>
             <a:prstGeom prst="ellipse">
@@ -17314,7 +17314,7 @@
           </p:nvSpPr>
           <p:spPr>
             <a:xfrm>
-              <a:off x="2247153" y="1805019"/>
+              <a:off x="2377651" y="1805019"/>
               <a:ext cx="71332" cy="71332"/>
             </a:xfrm>
             <a:prstGeom prst="ellipse">
@@ -17349,7 +17349,7 @@
           </p:nvSpPr>
           <p:spPr>
             <a:xfrm>
-              <a:off x="2236048" y="1919368"/>
+              <a:off x="2363370" y="1919368"/>
               <a:ext cx="71332" cy="71332"/>
             </a:xfrm>
             <a:prstGeom prst="ellipse">
@@ -17384,7 +17384,7 @@
           </p:nvSpPr>
           <p:spPr>
             <a:xfrm>
-              <a:off x="2409718" y="1747845"/>
+              <a:off x="2290148" y="1747845"/>
               <a:ext cx="71332" cy="71332"/>
             </a:xfrm>
             <a:prstGeom prst="ellipse">
@@ -17419,7 +17419,7 @@
           </p:nvSpPr>
           <p:spPr>
             <a:xfrm>
-              <a:off x="2375218" y="1900310"/>
+              <a:off x="2371810" y="1900310"/>
               <a:ext cx="71332" cy="71332"/>
             </a:xfrm>
             <a:prstGeom prst="ellipse">
@@ -17454,7 +17454,7 @@
           </p:nvSpPr>
           <p:spPr>
             <a:xfrm>
-              <a:off x="2316826" y="1728787"/>
+              <a:off x="2348007" y="1728787"/>
               <a:ext cx="71332" cy="71332"/>
             </a:xfrm>
             <a:prstGeom prst="ellipse">
@@ -17489,7 +17489,7 @@
           </p:nvSpPr>
           <p:spPr>
             <a:xfrm>
-              <a:off x="2254266" y="1766903"/>
+              <a:off x="2333842" y="1766903"/>
               <a:ext cx="71332" cy="71332"/>
             </a:xfrm>
             <a:prstGeom prst="ellipse">
@@ -17524,7 +17524,7 @@
           </p:nvSpPr>
           <p:spPr>
             <a:xfrm>
-              <a:off x="2364320" y="1843136"/>
+              <a:off x="2304004" y="1843136"/>
               <a:ext cx="71332" cy="71332"/>
             </a:xfrm>
             <a:prstGeom prst="ellipse">
@@ -17559,7 +17559,7 @@
           </p:nvSpPr>
           <p:spPr>
             <a:xfrm>
-              <a:off x="2413832" y="1824078"/>
+              <a:off x="2406845" y="1824078"/>
               <a:ext cx="71332" cy="71332"/>
             </a:xfrm>
             <a:prstGeom prst="ellipse">
@@ -17594,7 +17594,7 @@
           </p:nvSpPr>
           <p:spPr>
             <a:xfrm>
-              <a:off x="2241006" y="1747845"/>
+              <a:off x="2284939" y="1747845"/>
               <a:ext cx="71332" cy="71332"/>
             </a:xfrm>
             <a:prstGeom prst="ellipse">
@@ -17629,7 +17629,7 @@
           </p:nvSpPr>
           <p:spPr>
             <a:xfrm>
-              <a:off x="2308307" y="1709729"/>
+              <a:off x="2245714" y="1709729"/>
               <a:ext cx="71332" cy="71332"/>
             </a:xfrm>
             <a:prstGeom prst="ellipse">
@@ -17664,7 +17664,7 @@
           </p:nvSpPr>
           <p:spPr>
             <a:xfrm>
-              <a:off x="2347710" y="1805019"/>
+              <a:off x="2329136" y="1805019"/>
               <a:ext cx="71332" cy="71332"/>
             </a:xfrm>
             <a:prstGeom prst="ellipse">
@@ -17699,7 +17699,7 @@
           </p:nvSpPr>
           <p:spPr>
             <a:xfrm>
-              <a:off x="2326914" y="1995600"/>
+              <a:off x="2273750" y="1995600"/>
               <a:ext cx="71332" cy="71332"/>
             </a:xfrm>
             <a:prstGeom prst="ellipse">
@@ -17734,7 +17734,7 @@
           </p:nvSpPr>
           <p:spPr>
             <a:xfrm>
-              <a:off x="2358881" y="1938426"/>
+              <a:off x="2330673" y="1938426"/>
               <a:ext cx="71332" cy="71332"/>
             </a:xfrm>
             <a:prstGeom prst="ellipse">
@@ -17769,7 +17769,7 @@
           </p:nvSpPr>
           <p:spPr>
             <a:xfrm>
-              <a:off x="2335381" y="1957484"/>
+              <a:off x="2316649" y="1957484"/>
               <a:ext cx="71332" cy="71332"/>
             </a:xfrm>
             <a:prstGeom prst="ellipse">
@@ -17804,7 +17804,7 @@
           </p:nvSpPr>
           <p:spPr>
             <a:xfrm>
-              <a:off x="2342735" y="1919368"/>
+              <a:off x="2227018" y="1919368"/>
               <a:ext cx="71332" cy="71332"/>
             </a:xfrm>
             <a:prstGeom prst="ellipse">
@@ -17839,7 +17839,7 @@
           </p:nvSpPr>
           <p:spPr>
             <a:xfrm>
-              <a:off x="2274852" y="1690671"/>
+              <a:off x="2354100" y="1690671"/>
               <a:ext cx="71332" cy="71332"/>
             </a:xfrm>
             <a:prstGeom prst="ellipse">
@@ -17874,7 +17874,7 @@
           </p:nvSpPr>
           <p:spPr>
             <a:xfrm>
-              <a:off x="2413412" y="1805019"/>
+              <a:off x="2332088" y="1805019"/>
               <a:ext cx="71332" cy="71332"/>
             </a:xfrm>
             <a:prstGeom prst="ellipse">
@@ -17909,7 +17909,7 @@
           </p:nvSpPr>
           <p:spPr>
             <a:xfrm>
-              <a:off x="2345993" y="1805019"/>
+              <a:off x="2385846" y="1805019"/>
               <a:ext cx="71332" cy="71332"/>
             </a:xfrm>
             <a:prstGeom prst="ellipse">
@@ -17944,7 +17944,7 @@
           </p:nvSpPr>
           <p:spPr>
             <a:xfrm>
-              <a:off x="2336766" y="1766903"/>
+              <a:off x="2226065" y="1766903"/>
               <a:ext cx="71332" cy="71332"/>
             </a:xfrm>
             <a:prstGeom prst="ellipse">
@@ -17979,7 +17979,7 @@
           </p:nvSpPr>
           <p:spPr>
             <a:xfrm>
-              <a:off x="2335815" y="1824078"/>
+              <a:off x="2320178" y="1824078"/>
               <a:ext cx="71332" cy="71332"/>
             </a:xfrm>
             <a:prstGeom prst="ellipse">
@@ -18014,7 +18014,7 @@
           </p:nvSpPr>
           <p:spPr>
             <a:xfrm>
-              <a:off x="2279274" y="1881252"/>
+              <a:off x="2243063" y="1881252"/>
               <a:ext cx="71332" cy="71332"/>
             </a:xfrm>
             <a:prstGeom prst="ellipse">
@@ -18049,7 +18049,7 @@
           </p:nvSpPr>
           <p:spPr>
             <a:xfrm>
-              <a:off x="2366605" y="1900310"/>
+              <a:off x="2393784" y="1900310"/>
               <a:ext cx="71332" cy="71332"/>
             </a:xfrm>
             <a:prstGeom prst="ellipse">
@@ -18084,7 +18084,7 @@
           </p:nvSpPr>
           <p:spPr>
             <a:xfrm>
-              <a:off x="2293837" y="1824078"/>
+              <a:off x="2330926" y="1824078"/>
               <a:ext cx="71332" cy="71332"/>
             </a:xfrm>
             <a:prstGeom prst="ellipse">
@@ -18119,7 +18119,7 @@
           </p:nvSpPr>
           <p:spPr>
             <a:xfrm>
-              <a:off x="2275737" y="1785961"/>
+              <a:off x="2345230" y="1785961"/>
               <a:ext cx="71332" cy="71332"/>
             </a:xfrm>
             <a:prstGeom prst="ellipse">
@@ -18154,7 +18154,7 @@
           </p:nvSpPr>
           <p:spPr>
             <a:xfrm>
-              <a:off x="2399912" y="1900310"/>
+              <a:off x="2414239" y="1900310"/>
               <a:ext cx="71332" cy="71332"/>
             </a:xfrm>
             <a:prstGeom prst="ellipse">
@@ -18189,7 +18189,7 @@
           </p:nvSpPr>
           <p:spPr>
             <a:xfrm>
-              <a:off x="2383126" y="2033716"/>
+              <a:off x="2257859" y="2033716"/>
               <a:ext cx="71332" cy="71332"/>
             </a:xfrm>
             <a:prstGeom prst="ellipse">
@@ -18224,7 +18224,7 @@
           </p:nvSpPr>
           <p:spPr>
             <a:xfrm>
-              <a:off x="2315516" y="1862194"/>
+              <a:off x="2415414" y="1862194"/>
               <a:ext cx="71332" cy="71332"/>
             </a:xfrm>
             <a:prstGeom prst="ellipse">
@@ -18259,7 +18259,7 @@
           </p:nvSpPr>
           <p:spPr>
             <a:xfrm>
-              <a:off x="2245120" y="1862194"/>
+              <a:off x="2379677" y="1862194"/>
               <a:ext cx="71332" cy="71332"/>
             </a:xfrm>
             <a:prstGeom prst="ellipse">
@@ -18294,7 +18294,7 @@
           </p:nvSpPr>
           <p:spPr>
             <a:xfrm>
-              <a:off x="2345438" y="1862194"/>
+              <a:off x="2274042" y="1862194"/>
               <a:ext cx="71332" cy="71332"/>
             </a:xfrm>
             <a:prstGeom prst="ellipse">
@@ -18329,7 +18329,7 @@
           </p:nvSpPr>
           <p:spPr>
             <a:xfrm>
-              <a:off x="2253590" y="1843136"/>
+              <a:off x="2339160" y="1843136"/>
               <a:ext cx="71332" cy="71332"/>
             </a:xfrm>
             <a:prstGeom prst="ellipse">
@@ -18364,7 +18364,7 @@
           </p:nvSpPr>
           <p:spPr>
             <a:xfrm>
-              <a:off x="2227437" y="2090890"/>
+              <a:off x="2408652" y="2090890"/>
               <a:ext cx="71332" cy="71332"/>
             </a:xfrm>
             <a:prstGeom prst="ellipse">
@@ -18399,7 +18399,7 @@
           </p:nvSpPr>
           <p:spPr>
             <a:xfrm>
-              <a:off x="2365885" y="1881252"/>
+              <a:off x="2334536" y="1881252"/>
               <a:ext cx="71332" cy="71332"/>
             </a:xfrm>
             <a:prstGeom prst="ellipse">
@@ -18434,7 +18434,7 @@
           </p:nvSpPr>
           <p:spPr>
             <a:xfrm>
-              <a:off x="2924743" y="1519149"/>
+              <a:off x="3037399" y="1519149"/>
               <a:ext cx="71332" cy="71332"/>
             </a:xfrm>
             <a:prstGeom prst="ellipse">
@@ -18469,7 +18469,7 @@
           </p:nvSpPr>
           <p:spPr>
             <a:xfrm>
-              <a:off x="3016014" y="1690671"/>
+              <a:off x="2958822" y="1690671"/>
               <a:ext cx="71332" cy="71332"/>
             </a:xfrm>
             <a:prstGeom prst="ellipse">
@@ -18504,7 +18504,7 @@
           </p:nvSpPr>
           <p:spPr>
             <a:xfrm>
-              <a:off x="2906187" y="1538207"/>
+              <a:off x="3075200" y="1538207"/>
               <a:ext cx="71332" cy="71332"/>
             </a:xfrm>
             <a:prstGeom prst="ellipse">
@@ -18539,7 +18539,7 @@
           </p:nvSpPr>
           <p:spPr>
             <a:xfrm>
-              <a:off x="2904417" y="1595381"/>
+              <a:off x="3056273" y="1595381"/>
               <a:ext cx="71332" cy="71332"/>
             </a:xfrm>
             <a:prstGeom prst="ellipse">
@@ -18574,7 +18574,7 @@
           </p:nvSpPr>
           <p:spPr>
             <a:xfrm>
-              <a:off x="2971299" y="1557265"/>
+              <a:off x="2922927" y="1557265"/>
               <a:ext cx="71332" cy="71332"/>
             </a:xfrm>
             <a:prstGeom prst="ellipse">
@@ -18609,7 +18609,7 @@
           </p:nvSpPr>
           <p:spPr>
             <a:xfrm>
-              <a:off x="2901746" y="1404801"/>
+              <a:off x="2965142" y="1404801"/>
               <a:ext cx="71332" cy="71332"/>
             </a:xfrm>
             <a:prstGeom prst="ellipse">
@@ -18644,7 +18644,7 @@
           </p:nvSpPr>
           <p:spPr>
             <a:xfrm>
-              <a:off x="2932964" y="1805019"/>
+              <a:off x="3015508" y="1805019"/>
               <a:ext cx="71332" cy="71332"/>
             </a:xfrm>
             <a:prstGeom prst="ellipse">
@@ -18679,7 +18679,7 @@
           </p:nvSpPr>
           <p:spPr>
             <a:xfrm>
-              <a:off x="3077419" y="1461975"/>
+              <a:off x="3037644" y="1461975"/>
               <a:ext cx="71332" cy="71332"/>
             </a:xfrm>
             <a:prstGeom prst="ellipse">
@@ -18714,7 +18714,7 @@
           </p:nvSpPr>
           <p:spPr>
             <a:xfrm>
-              <a:off x="2940520" y="1557265"/>
+              <a:off x="3039519" y="1557265"/>
               <a:ext cx="71332" cy="71332"/>
             </a:xfrm>
             <a:prstGeom prst="ellipse">
@@ -18749,7 +18749,7 @@
           </p:nvSpPr>
           <p:spPr>
             <a:xfrm>
-              <a:off x="3040932" y="1500091"/>
+              <a:off x="3034204" y="1500091"/>
               <a:ext cx="71332" cy="71332"/>
             </a:xfrm>
             <a:prstGeom prst="ellipse">
@@ -18784,7 +18784,7 @@
           </p:nvSpPr>
           <p:spPr>
             <a:xfrm>
-              <a:off x="2944076" y="1690671"/>
+              <a:off x="2981878" y="1690671"/>
               <a:ext cx="71332" cy="71332"/>
             </a:xfrm>
             <a:prstGeom prst="ellipse">
@@ -18819,7 +18819,7 @@
           </p:nvSpPr>
           <p:spPr>
             <a:xfrm>
-              <a:off x="2924651" y="1652555"/>
+              <a:off x="3046065" y="1652555"/>
               <a:ext cx="71332" cy="71332"/>
             </a:xfrm>
             <a:prstGeom prst="ellipse">
@@ -18854,7 +18854,7 @@
           </p:nvSpPr>
           <p:spPr>
             <a:xfrm>
-              <a:off x="3017120" y="1614439"/>
+              <a:off x="3054685" y="1614439"/>
               <a:ext cx="71332" cy="71332"/>
             </a:xfrm>
             <a:prstGeom prst="ellipse">
@@ -18889,7 +18889,7 @@
           </p:nvSpPr>
           <p:spPr>
             <a:xfrm>
-              <a:off x="2924973" y="1709729"/>
+              <a:off x="2932928" y="1709729"/>
               <a:ext cx="71332" cy="71332"/>
             </a:xfrm>
             <a:prstGeom prst="ellipse">
@@ -18924,7 +18924,7 @@
           </p:nvSpPr>
           <p:spPr>
             <a:xfrm>
-              <a:off x="3097541" y="1690671"/>
+              <a:off x="2957959" y="1690671"/>
               <a:ext cx="71332" cy="71332"/>
             </a:xfrm>
             <a:prstGeom prst="ellipse">
@@ -18959,7 +18959,7 @@
           </p:nvSpPr>
           <p:spPr>
             <a:xfrm>
-              <a:off x="3003504" y="1652555"/>
+              <a:off x="2953817" y="1652555"/>
               <a:ext cx="71332" cy="71332"/>
             </a:xfrm>
             <a:prstGeom prst="ellipse">
@@ -18994,7 +18994,7 @@
           </p:nvSpPr>
           <p:spPr>
             <a:xfrm>
-              <a:off x="2952002" y="1614439"/>
+              <a:off x="2976160" y="1614439"/>
               <a:ext cx="71332" cy="71332"/>
             </a:xfrm>
             <a:prstGeom prst="ellipse">
@@ -19029,7 +19029,7 @@
           </p:nvSpPr>
           <p:spPr>
             <a:xfrm>
-              <a:off x="3020613" y="1385743"/>
+              <a:off x="3033176" y="1385743"/>
               <a:ext cx="71332" cy="71332"/>
             </a:xfrm>
             <a:prstGeom prst="ellipse">
@@ -19064,7 +19064,7 @@
           </p:nvSpPr>
           <p:spPr>
             <a:xfrm>
-              <a:off x="2931454" y="1347627"/>
+              <a:off x="3009934" y="1347627"/>
               <a:ext cx="71332" cy="71332"/>
             </a:xfrm>
             <a:prstGeom prst="ellipse">
@@ -19099,7 +19099,7 @@
           </p:nvSpPr>
           <p:spPr>
             <a:xfrm>
-              <a:off x="2899276" y="1709729"/>
+              <a:off x="3068957" y="1709729"/>
               <a:ext cx="71332" cy="71332"/>
             </a:xfrm>
             <a:prstGeom prst="ellipse">
@@ -19134,7 +19134,7 @@
           </p:nvSpPr>
           <p:spPr>
             <a:xfrm>
-              <a:off x="3028108" y="1576323"/>
+              <a:off x="2911505" y="1576323"/>
               <a:ext cx="71332" cy="71332"/>
             </a:xfrm>
             <a:prstGeom prst="ellipse">
@@ -19169,7 +19169,7 @@
           </p:nvSpPr>
           <p:spPr>
             <a:xfrm>
-              <a:off x="3029575" y="1728787"/>
+              <a:off x="3100230" y="1728787"/>
               <a:ext cx="71332" cy="71332"/>
             </a:xfrm>
             <a:prstGeom prst="ellipse">
@@ -19204,7 +19204,7 @@
           </p:nvSpPr>
           <p:spPr>
             <a:xfrm>
-              <a:off x="3081260" y="1385743"/>
+              <a:off x="2971637" y="1385743"/>
               <a:ext cx="71332" cy="71332"/>
             </a:xfrm>
             <a:prstGeom prst="ellipse">
@@ -19239,7 +19239,7 @@
           </p:nvSpPr>
           <p:spPr>
             <a:xfrm>
-              <a:off x="3043026" y="1728787"/>
+              <a:off x="2935608" y="1728787"/>
               <a:ext cx="71332" cy="71332"/>
             </a:xfrm>
             <a:prstGeom prst="ellipse">
@@ -19274,7 +19274,7 @@
           </p:nvSpPr>
           <p:spPr>
             <a:xfrm>
-              <a:off x="2971020" y="1576323"/>
+              <a:off x="3022503" y="1576323"/>
               <a:ext cx="71332" cy="71332"/>
             </a:xfrm>
             <a:prstGeom prst="ellipse">
@@ -19309,7 +19309,7 @@
           </p:nvSpPr>
           <p:spPr>
             <a:xfrm>
-              <a:off x="2920332" y="1519149"/>
+              <a:off x="2911826" y="1519149"/>
               <a:ext cx="71332" cy="71332"/>
             </a:xfrm>
             <a:prstGeom prst="ellipse">
@@ -19344,7 +19344,7 @@
           </p:nvSpPr>
           <p:spPr>
             <a:xfrm>
-              <a:off x="2978969" y="1747845"/>
+              <a:off x="3032020" y="1747845"/>
               <a:ext cx="71332" cy="71332"/>
             </a:xfrm>
             <a:prstGeom prst="ellipse">
@@ -19379,7 +19379,7 @@
           </p:nvSpPr>
           <p:spPr>
             <a:xfrm>
-              <a:off x="3011768" y="1728787"/>
+              <a:off x="2904338" y="1728787"/>
               <a:ext cx="71332" cy="71332"/>
             </a:xfrm>
             <a:prstGeom prst="ellipse">
@@ -19414,7 +19414,7 @@
           </p:nvSpPr>
           <p:spPr>
             <a:xfrm>
-              <a:off x="3072897" y="1595381"/>
+              <a:off x="3082770" y="1595381"/>
               <a:ext cx="71332" cy="71332"/>
             </a:xfrm>
             <a:prstGeom prst="ellipse">
@@ -19449,7 +19449,7 @@
           </p:nvSpPr>
           <p:spPr>
             <a:xfrm>
-              <a:off x="2991129" y="1557265"/>
+              <a:off x="3044826" y="1557265"/>
               <a:ext cx="71332" cy="71332"/>
             </a:xfrm>
             <a:prstGeom prst="ellipse">
@@ -19484,7 +19484,7 @@
           </p:nvSpPr>
           <p:spPr>
             <a:xfrm>
-              <a:off x="2950686" y="1500091"/>
+              <a:off x="2961730" y="1500091"/>
               <a:ext cx="71332" cy="71332"/>
             </a:xfrm>
             <a:prstGeom prst="ellipse">
@@ -19519,7 +19519,7 @@
           </p:nvSpPr>
           <p:spPr>
             <a:xfrm>
-              <a:off x="3065276" y="1442917"/>
+              <a:off x="2910355" y="1442917"/>
               <a:ext cx="71332" cy="71332"/>
             </a:xfrm>
             <a:prstGeom prst="ellipse">
@@ -19554,7 +19554,7 @@
           </p:nvSpPr>
           <p:spPr>
             <a:xfrm>
-              <a:off x="3030452" y="1595381"/>
+              <a:off x="2947785" y="1595381"/>
               <a:ext cx="71332" cy="71332"/>
             </a:xfrm>
             <a:prstGeom prst="ellipse">
@@ -19589,7 +19589,7 @@
           </p:nvSpPr>
           <p:spPr>
             <a:xfrm>
-              <a:off x="3015556" y="1690671"/>
+              <a:off x="3014704" y="1690671"/>
               <a:ext cx="71332" cy="71332"/>
             </a:xfrm>
             <a:prstGeom prst="ellipse">
@@ -19624,7 +19624,7 @@
           </p:nvSpPr>
           <p:spPr>
             <a:xfrm>
-              <a:off x="3047330" y="1595381"/>
+              <a:off x="3052824" y="1595381"/>
               <a:ext cx="71332" cy="71332"/>
             </a:xfrm>
             <a:prstGeom prst="ellipse">
@@ -19659,7 +19659,7 @@
           </p:nvSpPr>
           <p:spPr>
             <a:xfrm>
-              <a:off x="3083299" y="1500091"/>
+              <a:off x="3063712" y="1500091"/>
               <a:ext cx="71332" cy="71332"/>
             </a:xfrm>
             <a:prstGeom prst="ellipse">
@@ -19694,7 +19694,7 @@
           </p:nvSpPr>
           <p:spPr>
             <a:xfrm>
-              <a:off x="2910226" y="1595381"/>
+              <a:off x="3036264" y="1595381"/>
               <a:ext cx="71332" cy="71332"/>
             </a:xfrm>
             <a:prstGeom prst="ellipse">
@@ -19729,7 +19729,7 @@
           </p:nvSpPr>
           <p:spPr>
             <a:xfrm>
-              <a:off x="3030941" y="1614439"/>
+              <a:off x="2995561" y="1614439"/>
               <a:ext cx="71332" cy="71332"/>
             </a:xfrm>
             <a:prstGeom prst="ellipse">
@@ -19764,7 +19764,7 @@
           </p:nvSpPr>
           <p:spPr>
             <a:xfrm>
-              <a:off x="2993033" y="1747845"/>
+              <a:off x="3000123" y="1747845"/>
               <a:ext cx="71332" cy="71332"/>
             </a:xfrm>
             <a:prstGeom prst="ellipse">
@@ -19799,7 +19799,7 @@
           </p:nvSpPr>
           <p:spPr>
             <a:xfrm>
-              <a:off x="3046405" y="1633497"/>
+              <a:off x="3022272" y="1633497"/>
               <a:ext cx="71332" cy="71332"/>
             </a:xfrm>
             <a:prstGeom prst="ellipse">
@@ -19834,7 +19834,7 @@
           </p:nvSpPr>
           <p:spPr>
             <a:xfrm>
-              <a:off x="3000110" y="1595381"/>
+              <a:off x="2950249" y="1595381"/>
               <a:ext cx="71332" cy="71332"/>
             </a:xfrm>
             <a:prstGeom prst="ellipse">
@@ -19869,7 +19869,7 @@
           </p:nvSpPr>
           <p:spPr>
             <a:xfrm>
-              <a:off x="2903808" y="1690671"/>
+              <a:off x="3100875" y="1690671"/>
               <a:ext cx="71332" cy="71332"/>
             </a:xfrm>
             <a:prstGeom prst="ellipse">
@@ -19904,7 +19904,7 @@
           </p:nvSpPr>
           <p:spPr>
             <a:xfrm>
-              <a:off x="3008876" y="1690671"/>
+              <a:off x="2962008" y="1690671"/>
               <a:ext cx="71332" cy="71332"/>
             </a:xfrm>
             <a:prstGeom prst="ellipse">
@@ -19939,7 +19939,7 @@
           </p:nvSpPr>
           <p:spPr>
             <a:xfrm>
-              <a:off x="3056538" y="1538207"/>
+              <a:off x="3046683" y="1538207"/>
               <a:ext cx="71332" cy="71332"/>
             </a:xfrm>
             <a:prstGeom prst="ellipse">
@@ -19974,7 +19974,7 @@
           </p:nvSpPr>
           <p:spPr>
             <a:xfrm>
-              <a:off x="3009473" y="1576323"/>
+              <a:off x="3092407" y="1576323"/>
               <a:ext cx="71332" cy="71332"/>
             </a:xfrm>
             <a:prstGeom prst="ellipse">
@@ -20009,7 +20009,7 @@
           </p:nvSpPr>
           <p:spPr>
             <a:xfrm>
-              <a:off x="2922321" y="1671613"/>
+              <a:off x="2980908" y="1671613"/>
               <a:ext cx="71332" cy="71332"/>
             </a:xfrm>
             <a:prstGeom prst="ellipse">
@@ -20044,7 +20044,7 @@
           </p:nvSpPr>
           <p:spPr>
             <a:xfrm>
-              <a:off x="2978743" y="1709729"/>
+              <a:off x="3006794" y="1709729"/>
               <a:ext cx="71332" cy="71332"/>
             </a:xfrm>
             <a:prstGeom prst="ellipse">
@@ -20079,7 +20079,7 @@
           </p:nvSpPr>
           <p:spPr>
             <a:xfrm>
-              <a:off x="3031144" y="1671613"/>
+              <a:off x="3030142" y="1671613"/>
               <a:ext cx="71332" cy="71332"/>
             </a:xfrm>
             <a:prstGeom prst="ellipse">
@@ -20114,7 +20114,7 @@
           </p:nvSpPr>
           <p:spPr>
             <a:xfrm>
-              <a:off x="2987239" y="1633497"/>
+              <a:off x="2905564" y="1633497"/>
               <a:ext cx="71332" cy="71332"/>
             </a:xfrm>
             <a:prstGeom prst="ellipse">
@@ -20149,7 +20149,7 @@
           </p:nvSpPr>
           <p:spPr>
             <a:xfrm>
-              <a:off x="3021343" y="1690671"/>
+              <a:off x="2926356" y="1690671"/>
               <a:ext cx="71332" cy="71332"/>
             </a:xfrm>
             <a:prstGeom prst="ellipse">
@@ -20184,7 +20184,7 @@
           </p:nvSpPr>
           <p:spPr>
             <a:xfrm>
-              <a:off x="1632806" y="2234336"/>
+              <a:off x="1632808" y="2234335"/>
               <a:ext cx="80453" cy="75389"/>
             </a:xfrm>
             <a:prstGeom prst="rect">
@@ -20230,7 +20230,7 @@
           </p:nvSpPr>
           <p:spPr>
             <a:xfrm>
-              <a:off x="2312961" y="1560144"/>
+              <a:off x="2312961" y="1560143"/>
               <a:ext cx="83338" cy="101609"/>
             </a:xfrm>
             <a:prstGeom prst="rect">
@@ -20276,7 +20276,7 @@
           </p:nvSpPr>
           <p:spPr>
             <a:xfrm>
-              <a:off x="3000137" y="1275050"/>
+              <a:off x="3000138" y="1275050"/>
               <a:ext cx="72184" cy="75389"/>
             </a:xfrm>
             <a:prstGeom prst="rect">
@@ -21245,7 +21245,7 @@
           </p:nvSpPr>
           <p:spPr>
             <a:xfrm>
-              <a:off x="1721596" y="3915615"/>
+              <a:off x="1558871" y="3915615"/>
               <a:ext cx="71332" cy="71332"/>
             </a:xfrm>
             <a:prstGeom prst="ellipse">
@@ -21280,7 +21280,7 @@
           </p:nvSpPr>
           <p:spPr>
             <a:xfrm>
-              <a:off x="1555655" y="3974653"/>
+              <a:off x="1653203" y="3974653"/>
               <a:ext cx="71332" cy="71332"/>
             </a:xfrm>
             <a:prstGeom prst="ellipse">
@@ -21315,7 +21315,7 @@
           </p:nvSpPr>
           <p:spPr>
             <a:xfrm>
-              <a:off x="1642697" y="4033692"/>
+              <a:off x="1614699" y="4033692"/>
               <a:ext cx="71332" cy="71332"/>
             </a:xfrm>
             <a:prstGeom prst="ellipse">
@@ -21350,7 +21350,7 @@
           </p:nvSpPr>
           <p:spPr>
             <a:xfrm>
-              <a:off x="1539244" y="4063212"/>
+              <a:off x="1585254" y="4063212"/>
               <a:ext cx="71332" cy="71332"/>
             </a:xfrm>
             <a:prstGeom prst="ellipse">
@@ -21385,7 +21385,7 @@
           </p:nvSpPr>
           <p:spPr>
             <a:xfrm>
-              <a:off x="1612622" y="3945134"/>
+              <a:off x="1601305" y="3945134"/>
               <a:ext cx="71332" cy="71332"/>
             </a:xfrm>
             <a:prstGeom prst="ellipse">
@@ -21420,7 +21420,7 @@
           </p:nvSpPr>
           <p:spPr>
             <a:xfrm>
-              <a:off x="1601900" y="3827056"/>
+              <a:off x="1679599" y="3827056"/>
               <a:ext cx="71332" cy="71332"/>
             </a:xfrm>
             <a:prstGeom prst="ellipse">
@@ -21455,7 +21455,7 @@
           </p:nvSpPr>
           <p:spPr>
             <a:xfrm>
-              <a:off x="1597471" y="4063212"/>
+              <a:off x="1707759" y="4063212"/>
               <a:ext cx="71332" cy="71332"/>
             </a:xfrm>
             <a:prstGeom prst="ellipse">
@@ -21490,7 +21490,7 @@
           </p:nvSpPr>
           <p:spPr>
             <a:xfrm>
-              <a:off x="1665778" y="3945134"/>
+              <a:off x="1646836" y="3945134"/>
               <a:ext cx="71332" cy="71332"/>
             </a:xfrm>
             <a:prstGeom prst="ellipse">
@@ -21525,7 +21525,7 @@
           </p:nvSpPr>
           <p:spPr>
             <a:xfrm>
-              <a:off x="1717323" y="4122251"/>
+              <a:off x="1536234" y="4122251"/>
               <a:ext cx="71332" cy="71332"/>
             </a:xfrm>
             <a:prstGeom prst="ellipse">
@@ -21560,7 +21560,7 @@
           </p:nvSpPr>
           <p:spPr>
             <a:xfrm>
-              <a:off x="1554922" y="3974653"/>
+              <a:off x="1628352" y="3974653"/>
               <a:ext cx="71332" cy="71332"/>
             </a:xfrm>
             <a:prstGeom prst="ellipse">
@@ -21595,7 +21595,7 @@
           </p:nvSpPr>
           <p:spPr>
             <a:xfrm>
-              <a:off x="1729204" y="3827056"/>
+              <a:off x="1545337" y="3827056"/>
               <a:ext cx="71332" cy="71332"/>
             </a:xfrm>
             <a:prstGeom prst="ellipse">
@@ -21630,7 +21630,7 @@
           </p:nvSpPr>
           <p:spPr>
             <a:xfrm>
-              <a:off x="1577689" y="4004173"/>
+              <a:off x="1737248" y="4004173"/>
               <a:ext cx="71332" cy="71332"/>
             </a:xfrm>
             <a:prstGeom prst="ellipse">
@@ -21665,7 +21665,7 @@
           </p:nvSpPr>
           <p:spPr>
             <a:xfrm>
-              <a:off x="1697569" y="4004173"/>
+              <a:off x="1678932" y="4004173"/>
               <a:ext cx="71332" cy="71332"/>
             </a:xfrm>
             <a:prstGeom prst="ellipse">
@@ -21700,7 +21700,7 @@
           </p:nvSpPr>
           <p:spPr>
             <a:xfrm>
-              <a:off x="1558602" y="4151770"/>
+              <a:off x="1547821" y="4151770"/>
               <a:ext cx="71332" cy="71332"/>
             </a:xfrm>
             <a:prstGeom prst="ellipse">
@@ -21735,7 +21735,7 @@
           </p:nvSpPr>
           <p:spPr>
             <a:xfrm>
-              <a:off x="1594925" y="3708978"/>
+              <a:off x="1589676" y="3708978"/>
               <a:ext cx="71332" cy="71332"/>
             </a:xfrm>
             <a:prstGeom prst="ellipse">
@@ -21770,7 +21770,7 @@
           </p:nvSpPr>
           <p:spPr>
             <a:xfrm>
-              <a:off x="1541246" y="3738498"/>
+              <a:off x="1674503" y="3738498"/>
               <a:ext cx="71332" cy="71332"/>
             </a:xfrm>
             <a:prstGeom prst="ellipse">
@@ -21805,7 +21805,7 @@
           </p:nvSpPr>
           <p:spPr>
             <a:xfrm>
-              <a:off x="1629941" y="3827056"/>
+              <a:off x="1558004" y="3827056"/>
               <a:ext cx="71332" cy="71332"/>
             </a:xfrm>
             <a:prstGeom prst="ellipse">
@@ -21840,7 +21840,7 @@
           </p:nvSpPr>
           <p:spPr>
             <a:xfrm>
-              <a:off x="1543729" y="3915615"/>
+              <a:off x="1586431" y="3915615"/>
               <a:ext cx="71332" cy="71332"/>
             </a:xfrm>
             <a:prstGeom prst="ellipse">
@@ -21875,7 +21875,7 @@
           </p:nvSpPr>
           <p:spPr>
             <a:xfrm>
-              <a:off x="1693873" y="3738498"/>
+              <a:off x="1573696" y="3738498"/>
               <a:ext cx="71332" cy="71332"/>
             </a:xfrm>
             <a:prstGeom prst="ellipse">
@@ -21910,7 +21910,7 @@
           </p:nvSpPr>
           <p:spPr>
             <a:xfrm>
-              <a:off x="1596841" y="3915615"/>
+              <a:off x="1590133" y="3915615"/>
               <a:ext cx="71332" cy="71332"/>
             </a:xfrm>
             <a:prstGeom prst="ellipse">
@@ -21945,7 +21945,7 @@
           </p:nvSpPr>
           <p:spPr>
             <a:xfrm>
-              <a:off x="1580875" y="3827056"/>
+              <a:off x="1645130" y="3827056"/>
               <a:ext cx="71332" cy="71332"/>
             </a:xfrm>
             <a:prstGeom prst="ellipse">
@@ -21980,7 +21980,7 @@
           </p:nvSpPr>
           <p:spPr>
             <a:xfrm>
-              <a:off x="1550396" y="3915615"/>
+              <a:off x="1713981" y="3915615"/>
               <a:ext cx="71332" cy="71332"/>
             </a:xfrm>
             <a:prstGeom prst="ellipse">
@@ -22015,7 +22015,7 @@
           </p:nvSpPr>
           <p:spPr>
             <a:xfrm>
-              <a:off x="1629764" y="4063212"/>
+              <a:off x="1596271" y="4063212"/>
               <a:ext cx="71332" cy="71332"/>
             </a:xfrm>
             <a:prstGeom prst="ellipse">
@@ -22050,7 +22050,7 @@
           </p:nvSpPr>
           <p:spPr>
             <a:xfrm>
-              <a:off x="1539526" y="3915615"/>
+              <a:off x="1655879" y="3915615"/>
               <a:ext cx="71332" cy="71332"/>
             </a:xfrm>
             <a:prstGeom prst="ellipse">
@@ -22085,7 +22085,7 @@
           </p:nvSpPr>
           <p:spPr>
             <a:xfrm>
-              <a:off x="1601305" y="4004173"/>
+              <a:off x="1635222" y="4004173"/>
               <a:ext cx="71332" cy="71332"/>
             </a:xfrm>
             <a:prstGeom prst="ellipse">
@@ -22120,7 +22120,7 @@
           </p:nvSpPr>
           <p:spPr>
             <a:xfrm>
-              <a:off x="1736618" y="3945134"/>
+              <a:off x="1641151" y="3945134"/>
               <a:ext cx="71332" cy="71332"/>
             </a:xfrm>
             <a:prstGeom prst="ellipse">
@@ -22155,7 +22155,7 @@
           </p:nvSpPr>
           <p:spPr>
             <a:xfrm>
-              <a:off x="1733629" y="3945134"/>
+              <a:off x="1632036" y="3945134"/>
               <a:ext cx="71332" cy="71332"/>
             </a:xfrm>
             <a:prstGeom prst="ellipse">
@@ -22190,7 +22190,7 @@
           </p:nvSpPr>
           <p:spPr>
             <a:xfrm>
-              <a:off x="1559886" y="3886095"/>
+              <a:off x="1684183" y="3886095"/>
               <a:ext cx="71332" cy="71332"/>
             </a:xfrm>
             <a:prstGeom prst="ellipse">
@@ -22225,7 +22225,7 @@
           </p:nvSpPr>
           <p:spPr>
             <a:xfrm>
-              <a:off x="1553930" y="3886095"/>
+              <a:off x="1695696" y="3886095"/>
               <a:ext cx="71332" cy="71332"/>
             </a:xfrm>
             <a:prstGeom prst="ellipse">
@@ -22260,7 +22260,7 @@
           </p:nvSpPr>
           <p:spPr>
             <a:xfrm>
-              <a:off x="1671913" y="4033692"/>
+              <a:off x="1629710" y="4033692"/>
               <a:ext cx="71332" cy="71332"/>
             </a:xfrm>
             <a:prstGeom prst="ellipse">
@@ -22295,7 +22295,7 @@
           </p:nvSpPr>
           <p:spPr>
             <a:xfrm>
-              <a:off x="1725224" y="4004173"/>
+              <a:off x="1662799" y="4004173"/>
               <a:ext cx="71332" cy="71332"/>
             </a:xfrm>
             <a:prstGeom prst="ellipse">
@@ -22330,7 +22330,7 @@
           </p:nvSpPr>
           <p:spPr>
             <a:xfrm>
-              <a:off x="1691598" y="3827056"/>
+              <a:off x="1615192" y="3827056"/>
               <a:ext cx="71332" cy="71332"/>
             </a:xfrm>
             <a:prstGeom prst="ellipse">
@@ -22365,7 +22365,7 @@
           </p:nvSpPr>
           <p:spPr>
             <a:xfrm>
-              <a:off x="1609169" y="3886095"/>
+              <a:off x="1548948" y="3886095"/>
               <a:ext cx="71332" cy="71332"/>
             </a:xfrm>
             <a:prstGeom prst="ellipse">
@@ -22400,7 +22400,7 @@
           </p:nvSpPr>
           <p:spPr>
             <a:xfrm>
-              <a:off x="1646976" y="3797537"/>
+              <a:off x="1542314" y="3797537"/>
               <a:ext cx="71332" cy="71332"/>
             </a:xfrm>
             <a:prstGeom prst="ellipse">
@@ -22435,7 +22435,7 @@
           </p:nvSpPr>
           <p:spPr>
             <a:xfrm>
-              <a:off x="1560734" y="3974653"/>
+              <a:off x="1641969" y="3974653"/>
               <a:ext cx="71332" cy="71332"/>
             </a:xfrm>
             <a:prstGeom prst="ellipse">
@@ -22470,7 +22470,7 @@
           </p:nvSpPr>
           <p:spPr>
             <a:xfrm>
-              <a:off x="1683649" y="3945134"/>
+              <a:off x="1606459" y="3945134"/>
               <a:ext cx="71332" cy="71332"/>
             </a:xfrm>
             <a:prstGeom prst="ellipse">
@@ -22505,7 +22505,7 @@
           </p:nvSpPr>
           <p:spPr>
             <a:xfrm>
-              <a:off x="1567508" y="3797537"/>
+              <a:off x="1545352" y="3797537"/>
               <a:ext cx="71332" cy="71332"/>
             </a:xfrm>
             <a:prstGeom prst="ellipse">
@@ -22540,7 +22540,7 @@
           </p:nvSpPr>
           <p:spPr>
             <a:xfrm>
-              <a:off x="1686902" y="3974653"/>
+              <a:off x="1738163" y="3974653"/>
               <a:ext cx="71332" cy="71332"/>
             </a:xfrm>
             <a:prstGeom prst="ellipse">
@@ -22575,7 +22575,7 @@
           </p:nvSpPr>
           <p:spPr>
             <a:xfrm>
-              <a:off x="1727903" y="4122251"/>
+              <a:off x="1711726" y="4122251"/>
               <a:ext cx="71332" cy="71332"/>
             </a:xfrm>
             <a:prstGeom prst="ellipse">
@@ -22610,7 +22610,7 @@
           </p:nvSpPr>
           <p:spPr>
             <a:xfrm>
-              <a:off x="1573167" y="3915615"/>
+              <a:off x="1673245" y="3915615"/>
               <a:ext cx="71332" cy="71332"/>
             </a:xfrm>
             <a:prstGeom prst="ellipse">
@@ -22645,7 +22645,7 @@
           </p:nvSpPr>
           <p:spPr>
             <a:xfrm>
-              <a:off x="1729102" y="3945134"/>
+              <a:off x="1563684" y="3945134"/>
               <a:ext cx="71332" cy="71332"/>
             </a:xfrm>
             <a:prstGeom prst="ellipse">
@@ -22680,7 +22680,7 @@
           </p:nvSpPr>
           <p:spPr>
             <a:xfrm>
-              <a:off x="1603930" y="4092731"/>
+              <a:off x="1673090" y="4092731"/>
               <a:ext cx="71332" cy="71332"/>
             </a:xfrm>
             <a:prstGeom prst="ellipse">
@@ -22715,7 +22715,7 @@
           </p:nvSpPr>
           <p:spPr>
             <a:xfrm>
-              <a:off x="1688770" y="4122251"/>
+              <a:off x="1552093" y="4122251"/>
               <a:ext cx="71332" cy="71332"/>
             </a:xfrm>
             <a:prstGeom prst="ellipse">
@@ -22750,7 +22750,7 @@
           </p:nvSpPr>
           <p:spPr>
             <a:xfrm>
-              <a:off x="1669449" y="3945134"/>
+              <a:off x="1695942" y="3945134"/>
               <a:ext cx="71332" cy="71332"/>
             </a:xfrm>
             <a:prstGeom prst="ellipse">
@@ -22785,7 +22785,7 @@
           </p:nvSpPr>
           <p:spPr>
             <a:xfrm>
-              <a:off x="1727576" y="3915615"/>
+              <a:off x="1730211" y="3915615"/>
               <a:ext cx="71332" cy="71332"/>
             </a:xfrm>
             <a:prstGeom prst="ellipse">
@@ -22820,7 +22820,7 @@
           </p:nvSpPr>
           <p:spPr>
             <a:xfrm>
-              <a:off x="1596965" y="4004173"/>
+              <a:off x="1599177" y="4004173"/>
               <a:ext cx="71332" cy="71332"/>
             </a:xfrm>
             <a:prstGeom prst="ellipse">
@@ -22855,7 +22855,7 @@
           </p:nvSpPr>
           <p:spPr>
             <a:xfrm>
-              <a:off x="1584738" y="3915615"/>
+              <a:off x="1639213" y="3915615"/>
               <a:ext cx="71332" cy="71332"/>
             </a:xfrm>
             <a:prstGeom prst="ellipse">
@@ -22890,7 +22890,7 @@
           </p:nvSpPr>
           <p:spPr>
             <a:xfrm>
-              <a:off x="1721636" y="4063212"/>
+              <a:off x="1586230" y="4063212"/>
               <a:ext cx="71332" cy="71332"/>
             </a:xfrm>
             <a:prstGeom prst="ellipse">
@@ -22925,7 +22925,7 @@
           </p:nvSpPr>
           <p:spPr>
             <a:xfrm>
-              <a:off x="1546421" y="3856576"/>
+              <a:off x="1682119" y="3856576"/>
               <a:ext cx="71332" cy="71332"/>
             </a:xfrm>
             <a:prstGeom prst="ellipse">
@@ -22960,7 +22960,7 @@
           </p:nvSpPr>
           <p:spPr>
             <a:xfrm>
-              <a:off x="1717139" y="3945134"/>
+              <a:off x="1664960" y="3945134"/>
               <a:ext cx="71332" cy="71332"/>
             </a:xfrm>
             <a:prstGeom prst="ellipse">
@@ -22995,7 +22995,7 @@
           </p:nvSpPr>
           <p:spPr>
             <a:xfrm>
-              <a:off x="2238858" y="3354745"/>
+              <a:off x="2377776" y="3354745"/>
               <a:ext cx="71332" cy="71332"/>
             </a:xfrm>
             <a:prstGeom prst="ellipse">
@@ -23030,7 +23030,7 @@
           </p:nvSpPr>
           <p:spPr>
             <a:xfrm>
-              <a:off x="2245137" y="3531862"/>
+              <a:off x="2369912" y="3531862"/>
               <a:ext cx="71332" cy="71332"/>
             </a:xfrm>
             <a:prstGeom prst="ellipse">
@@ -23065,7 +23065,7 @@
           </p:nvSpPr>
           <p:spPr>
             <a:xfrm>
-              <a:off x="2256372" y="3384264"/>
+              <a:off x="2340502" y="3384264"/>
               <a:ext cx="71332" cy="71332"/>
             </a:xfrm>
             <a:prstGeom prst="ellipse">
@@ -23100,7 +23100,7 @@
           </p:nvSpPr>
           <p:spPr>
             <a:xfrm>
-              <a:off x="2416103" y="3797537"/>
+              <a:off x="2340915" y="3797537"/>
               <a:ext cx="71332" cy="71332"/>
             </a:xfrm>
             <a:prstGeom prst="ellipse">
@@ -23135,7 +23135,7 @@
           </p:nvSpPr>
           <p:spPr>
             <a:xfrm>
-              <a:off x="2319901" y="3502342"/>
+              <a:off x="2385673" y="3502342"/>
               <a:ext cx="71332" cy="71332"/>
             </a:xfrm>
             <a:prstGeom prst="ellipse">
@@ -23170,7 +23170,7 @@
           </p:nvSpPr>
           <p:spPr>
             <a:xfrm>
-              <a:off x="2300612" y="3738498"/>
+              <a:off x="2281252" y="3738498"/>
               <a:ext cx="71332" cy="71332"/>
             </a:xfrm>
             <a:prstGeom prst="ellipse">
@@ -23205,7 +23205,7 @@
           </p:nvSpPr>
           <p:spPr>
             <a:xfrm>
-              <a:off x="2417442" y="3561381"/>
+              <a:off x="2264099" y="3561381"/>
               <a:ext cx="71332" cy="71332"/>
             </a:xfrm>
             <a:prstGeom prst="ellipse">
@@ -23240,7 +23240,7 @@
           </p:nvSpPr>
           <p:spPr>
             <a:xfrm>
-              <a:off x="2272415" y="3974653"/>
+              <a:off x="2385850" y="3974653"/>
               <a:ext cx="71332" cy="71332"/>
             </a:xfrm>
             <a:prstGeom prst="ellipse">
@@ -23275,7 +23275,7 @@
           </p:nvSpPr>
           <p:spPr>
             <a:xfrm>
-              <a:off x="2305016" y="3472823"/>
+              <a:off x="2277903" y="3472823"/>
               <a:ext cx="71332" cy="71332"/>
             </a:xfrm>
             <a:prstGeom prst="ellipse">
@@ -23310,7 +23310,7 @@
           </p:nvSpPr>
           <p:spPr>
             <a:xfrm>
-              <a:off x="2420531" y="3886095"/>
+              <a:off x="2312282" y="3886095"/>
               <a:ext cx="71332" cy="71332"/>
             </a:xfrm>
             <a:prstGeom prst="ellipse">
@@ -23345,7 +23345,7 @@
           </p:nvSpPr>
           <p:spPr>
             <a:xfrm>
-              <a:off x="2358765" y="3945134"/>
+              <a:off x="2236292" y="3945134"/>
               <a:ext cx="71332" cy="71332"/>
             </a:xfrm>
             <a:prstGeom prst="ellipse">
@@ -23380,7 +23380,7 @@
           </p:nvSpPr>
           <p:spPr>
             <a:xfrm>
-              <a:off x="2281472" y="3679459"/>
+              <a:off x="2377303" y="3679459"/>
               <a:ext cx="71332" cy="71332"/>
             </a:xfrm>
             <a:prstGeom prst="ellipse">
@@ -23415,7 +23415,7 @@
           </p:nvSpPr>
           <p:spPr>
             <a:xfrm>
-              <a:off x="2264187" y="3649939"/>
+              <a:off x="2306178" y="3649939"/>
               <a:ext cx="71332" cy="71332"/>
             </a:xfrm>
             <a:prstGeom prst="ellipse">
@@ -23450,7 +23450,7 @@
           </p:nvSpPr>
           <p:spPr>
             <a:xfrm>
-              <a:off x="2259246" y="3620420"/>
+              <a:off x="2257438" y="3620420"/>
               <a:ext cx="71332" cy="71332"/>
             </a:xfrm>
             <a:prstGeom prst="ellipse">
@@ -23485,7 +23485,7 @@
           </p:nvSpPr>
           <p:spPr>
             <a:xfrm>
-              <a:off x="2389756" y="3768017"/>
+              <a:off x="2244579" y="3768017"/>
               <a:ext cx="71332" cy="71332"/>
             </a:xfrm>
             <a:prstGeom prst="ellipse">
@@ -23520,7 +23520,7 @@
           </p:nvSpPr>
           <p:spPr>
             <a:xfrm>
-              <a:off x="2304552" y="3443303"/>
+              <a:off x="2303260" y="3443303"/>
               <a:ext cx="71332" cy="71332"/>
             </a:xfrm>
             <a:prstGeom prst="ellipse">
@@ -23555,7 +23555,7 @@
           </p:nvSpPr>
           <p:spPr>
             <a:xfrm>
-              <a:off x="2297716" y="3768017"/>
+              <a:off x="2301701" y="3768017"/>
               <a:ext cx="71332" cy="71332"/>
             </a:xfrm>
             <a:prstGeom prst="ellipse">
@@ -23590,7 +23590,7 @@
           </p:nvSpPr>
           <p:spPr>
             <a:xfrm>
-              <a:off x="2301822" y="3708978"/>
+              <a:off x="2411757" y="3708978"/>
               <a:ext cx="71332" cy="71332"/>
             </a:xfrm>
             <a:prstGeom prst="ellipse">
@@ -23625,7 +23625,7 @@
           </p:nvSpPr>
           <p:spPr>
             <a:xfrm>
-              <a:off x="2250799" y="3590900"/>
+              <a:off x="2340622" y="3590900"/>
               <a:ext cx="71332" cy="71332"/>
             </a:xfrm>
             <a:prstGeom prst="ellipse">
@@ -23660,7 +23660,7 @@
           </p:nvSpPr>
           <p:spPr>
             <a:xfrm>
-              <a:off x="2221086" y="3768017"/>
+              <a:off x="2287366" y="3768017"/>
               <a:ext cx="71332" cy="71332"/>
             </a:xfrm>
             <a:prstGeom prst="ellipse">
@@ -23695,7 +23695,7 @@
           </p:nvSpPr>
           <p:spPr>
             <a:xfrm>
-              <a:off x="2287937" y="3679459"/>
+              <a:off x="2336988" y="3679459"/>
               <a:ext cx="71332" cy="71332"/>
             </a:xfrm>
             <a:prstGeom prst="ellipse">
@@ -23730,7 +23730,7 @@
           </p:nvSpPr>
           <p:spPr>
             <a:xfrm>
-              <a:off x="2276760" y="3620420"/>
+              <a:off x="2349645" y="3620420"/>
               <a:ext cx="71332" cy="71332"/>
             </a:xfrm>
             <a:prstGeom prst="ellipse">
@@ -23765,7 +23765,7 @@
           </p:nvSpPr>
           <p:spPr>
             <a:xfrm>
-              <a:off x="2308127" y="3561381"/>
+              <a:off x="2379939" y="3561381"/>
               <a:ext cx="71332" cy="71332"/>
             </a:xfrm>
             <a:prstGeom prst="ellipse">
@@ -23800,7 +23800,7 @@
           </p:nvSpPr>
           <p:spPr>
             <a:xfrm>
-              <a:off x="2220935" y="3620420"/>
+              <a:off x="2219400" y="3620420"/>
               <a:ext cx="71332" cy="71332"/>
             </a:xfrm>
             <a:prstGeom prst="ellipse">
@@ -23835,7 +23835,7 @@
           </p:nvSpPr>
           <p:spPr>
             <a:xfrm>
-              <a:off x="2341466" y="3531862"/>
+              <a:off x="2355004" y="3531862"/>
               <a:ext cx="71332" cy="71332"/>
             </a:xfrm>
             <a:prstGeom prst="ellipse">
@@ -23870,7 +23870,7 @@
           </p:nvSpPr>
           <p:spPr>
             <a:xfrm>
-              <a:off x="2293389" y="3472823"/>
+              <a:off x="2332369" y="3472823"/>
               <a:ext cx="71332" cy="71332"/>
             </a:xfrm>
             <a:prstGeom prst="ellipse">
@@ -23905,7 +23905,7 @@
           </p:nvSpPr>
           <p:spPr>
             <a:xfrm>
-              <a:off x="2297015" y="3413784"/>
+              <a:off x="2401373" y="3413784"/>
               <a:ext cx="71332" cy="71332"/>
             </a:xfrm>
             <a:prstGeom prst="ellipse">
@@ -23940,7 +23940,7 @@
           </p:nvSpPr>
           <p:spPr>
             <a:xfrm>
-              <a:off x="2361922" y="3443303"/>
+              <a:off x="2268776" y="3443303"/>
               <a:ext cx="71332" cy="71332"/>
             </a:xfrm>
             <a:prstGeom prst="ellipse">
@@ -23975,7 +23975,7 @@
           </p:nvSpPr>
           <p:spPr>
             <a:xfrm>
-              <a:off x="2338371" y="3649939"/>
+              <a:off x="2407124" y="3649939"/>
               <a:ext cx="71332" cy="71332"/>
             </a:xfrm>
             <a:prstGeom prst="ellipse">
@@ -24010,7 +24010,7 @@
           </p:nvSpPr>
           <p:spPr>
             <a:xfrm>
-              <a:off x="2266795" y="3738498"/>
+              <a:off x="2302319" y="3738498"/>
               <a:ext cx="71332" cy="71332"/>
             </a:xfrm>
             <a:prstGeom prst="ellipse">
@@ -24045,7 +24045,7 @@
           </p:nvSpPr>
           <p:spPr>
             <a:xfrm>
-              <a:off x="2293939" y="3797537"/>
+              <a:off x="2307179" y="3797537"/>
               <a:ext cx="71332" cy="71332"/>
             </a:xfrm>
             <a:prstGeom prst="ellipse">
@@ -24080,7 +24080,7 @@
           </p:nvSpPr>
           <p:spPr>
             <a:xfrm>
-              <a:off x="2315464" y="3797537"/>
+              <a:off x="2370365" y="3797537"/>
               <a:ext cx="71332" cy="71332"/>
             </a:xfrm>
             <a:prstGeom prst="ellipse">
@@ -24115,7 +24115,7 @@
           </p:nvSpPr>
           <p:spPr>
             <a:xfrm>
-              <a:off x="2316683" y="3708978"/>
+              <a:off x="2233881" y="3708978"/>
               <a:ext cx="71332" cy="71332"/>
             </a:xfrm>
             <a:prstGeom prst="ellipse">
@@ -24150,7 +24150,7 @@
           </p:nvSpPr>
           <p:spPr>
             <a:xfrm>
-              <a:off x="2316787" y="3649939"/>
+              <a:off x="2412443" y="3649939"/>
               <a:ext cx="71332" cy="71332"/>
             </a:xfrm>
             <a:prstGeom prst="ellipse">
@@ -24185,7 +24185,7 @@
           </p:nvSpPr>
           <p:spPr>
             <a:xfrm>
-              <a:off x="2359849" y="3827056"/>
+              <a:off x="2231224" y="3827056"/>
               <a:ext cx="71332" cy="71332"/>
             </a:xfrm>
             <a:prstGeom prst="ellipse">
@@ -24220,7 +24220,7 @@
           </p:nvSpPr>
           <p:spPr>
             <a:xfrm>
-              <a:off x="2234682" y="3649939"/>
+              <a:off x="2353936" y="3649939"/>
               <a:ext cx="71332" cy="71332"/>
             </a:xfrm>
             <a:prstGeom prst="ellipse">
@@ -24255,7 +24255,7 @@
           </p:nvSpPr>
           <p:spPr>
             <a:xfrm>
-              <a:off x="2373585" y="3443303"/>
+              <a:off x="2264974" y="3443303"/>
               <a:ext cx="71332" cy="71332"/>
             </a:xfrm>
             <a:prstGeom prst="ellipse">
@@ -24290,7 +24290,7 @@
           </p:nvSpPr>
           <p:spPr>
             <a:xfrm>
-              <a:off x="2221439" y="3561381"/>
+              <a:off x="2280072" y="3561381"/>
               <a:ext cx="71332" cy="71332"/>
             </a:xfrm>
             <a:prstGeom prst="ellipse">
@@ -24325,7 +24325,7 @@
           </p:nvSpPr>
           <p:spPr>
             <a:xfrm>
-              <a:off x="2367999" y="3768017"/>
+              <a:off x="2359578" y="3768017"/>
               <a:ext cx="71332" cy="71332"/>
             </a:xfrm>
             <a:prstGeom prst="ellipse">
@@ -24360,7 +24360,7 @@
           </p:nvSpPr>
           <p:spPr>
             <a:xfrm>
-              <a:off x="2337582" y="3797537"/>
+              <a:off x="2393300" y="3797537"/>
               <a:ext cx="71332" cy="71332"/>
             </a:xfrm>
             <a:prstGeom prst="ellipse">
@@ -24395,7 +24395,7 @@
           </p:nvSpPr>
           <p:spPr>
             <a:xfrm>
-              <a:off x="2349786" y="3797537"/>
+              <a:off x="2373034" y="3797537"/>
               <a:ext cx="71332" cy="71332"/>
             </a:xfrm>
             <a:prstGeom prst="ellipse">
@@ -24430,7 +24430,7 @@
           </p:nvSpPr>
           <p:spPr>
             <a:xfrm>
-              <a:off x="2329540" y="3620420"/>
+              <a:off x="2286454" y="3620420"/>
               <a:ext cx="71332" cy="71332"/>
             </a:xfrm>
             <a:prstGeom prst="ellipse">
@@ -24465,7 +24465,7 @@
           </p:nvSpPr>
           <p:spPr>
             <a:xfrm>
-              <a:off x="2311868" y="3708978"/>
+              <a:off x="2263221" y="3708978"/>
               <a:ext cx="71332" cy="71332"/>
             </a:xfrm>
             <a:prstGeom prst="ellipse">
@@ -24500,7 +24500,7 @@
           </p:nvSpPr>
           <p:spPr>
             <a:xfrm>
-              <a:off x="2251896" y="3945134"/>
+              <a:off x="2302746" y="3945134"/>
               <a:ext cx="71332" cy="71332"/>
             </a:xfrm>
             <a:prstGeom prst="ellipse">
@@ -24535,7 +24535,7 @@
           </p:nvSpPr>
           <p:spPr>
             <a:xfrm>
-              <a:off x="2322459" y="3768017"/>
+              <a:off x="2283276" y="3768017"/>
               <a:ext cx="71332" cy="71332"/>
             </a:xfrm>
             <a:prstGeom prst="ellipse">
@@ -24570,7 +24570,7 @@
           </p:nvSpPr>
           <p:spPr>
             <a:xfrm>
-              <a:off x="2319220" y="3738498"/>
+              <a:off x="2218174" y="3738498"/>
               <a:ext cx="71332" cy="71332"/>
             </a:xfrm>
             <a:prstGeom prst="ellipse">
@@ -24605,7 +24605,7 @@
           </p:nvSpPr>
           <p:spPr>
             <a:xfrm>
-              <a:off x="2378759" y="3738498"/>
+              <a:off x="2364598" y="3738498"/>
               <a:ext cx="71332" cy="71332"/>
             </a:xfrm>
             <a:prstGeom prst="ellipse">
@@ -24640,7 +24640,7 @@
           </p:nvSpPr>
           <p:spPr>
             <a:xfrm>
-              <a:off x="2277134" y="3590900"/>
+              <a:off x="2319651" y="3590900"/>
               <a:ext cx="71332" cy="71332"/>
             </a:xfrm>
             <a:prstGeom prst="ellipse">
@@ -24675,7 +24675,7 @@
           </p:nvSpPr>
           <p:spPr>
             <a:xfrm>
-              <a:off x="2230990" y="3915615"/>
+              <a:off x="2246359" y="3915615"/>
               <a:ext cx="71332" cy="71332"/>
             </a:xfrm>
             <a:prstGeom prst="ellipse">
@@ -24710,7 +24710,7 @@
           </p:nvSpPr>
           <p:spPr>
             <a:xfrm>
-              <a:off x="2364182" y="3738498"/>
+              <a:off x="2345324" y="3738498"/>
               <a:ext cx="71332" cy="71332"/>
             </a:xfrm>
             <a:prstGeom prst="ellipse">
@@ -24745,7 +24745,7 @@
           </p:nvSpPr>
           <p:spPr>
             <a:xfrm>
-              <a:off x="3041630" y="3561381"/>
+              <a:off x="3095245" y="3561381"/>
               <a:ext cx="71332" cy="71332"/>
             </a:xfrm>
             <a:prstGeom prst="ellipse">
@@ -24780,7 +24780,7 @@
           </p:nvSpPr>
           <p:spPr>
             <a:xfrm>
-              <a:off x="2963220" y="3708978"/>
+              <a:off x="2904736" y="3708978"/>
               <a:ext cx="71332" cy="71332"/>
             </a:xfrm>
             <a:prstGeom prst="ellipse">
@@ -24815,7 +24815,7 @@
           </p:nvSpPr>
           <p:spPr>
             <a:xfrm>
-              <a:off x="3077561" y="3325225"/>
+              <a:off x="3045151" y="3325225"/>
               <a:ext cx="71332" cy="71332"/>
             </a:xfrm>
             <a:prstGeom prst="ellipse">
@@ -24850,7 +24850,7 @@
           </p:nvSpPr>
           <p:spPr>
             <a:xfrm>
-              <a:off x="2992277" y="3561381"/>
+              <a:off x="2945772" y="3561381"/>
               <a:ext cx="71332" cy="71332"/>
             </a:xfrm>
             <a:prstGeom prst="ellipse">
@@ -24885,7 +24885,7 @@
           </p:nvSpPr>
           <p:spPr>
             <a:xfrm>
-              <a:off x="3063663" y="3502342"/>
+              <a:off x="3018100" y="3502342"/>
               <a:ext cx="71332" cy="71332"/>
             </a:xfrm>
             <a:prstGeom prst="ellipse">
@@ -24920,7 +24920,7 @@
           </p:nvSpPr>
           <p:spPr>
             <a:xfrm>
-              <a:off x="2910290" y="3177628"/>
+              <a:off x="2953764" y="3177628"/>
               <a:ext cx="71332" cy="71332"/>
             </a:xfrm>
             <a:prstGeom prst="ellipse">
@@ -24955,7 +24955,7 @@
           </p:nvSpPr>
           <p:spPr>
             <a:xfrm>
-              <a:off x="2927755" y="3974653"/>
+              <a:off x="3007014" y="3974653"/>
               <a:ext cx="71332" cy="71332"/>
             </a:xfrm>
             <a:prstGeom prst="ellipse">
@@ -24990,7 +24990,7 @@
           </p:nvSpPr>
           <p:spPr>
             <a:xfrm>
-              <a:off x="2942840" y="3266186"/>
+              <a:off x="3000274" y="3266186"/>
               <a:ext cx="71332" cy="71332"/>
             </a:xfrm>
             <a:prstGeom prst="ellipse">
@@ -25025,7 +25025,7 @@
           </p:nvSpPr>
           <p:spPr>
             <a:xfrm>
-              <a:off x="2949334" y="3443303"/>
+              <a:off x="3058525" y="3443303"/>
               <a:ext cx="71332" cy="71332"/>
             </a:xfrm>
             <a:prstGeom prst="ellipse">
@@ -25060,7 +25060,7 @@
           </p:nvSpPr>
           <p:spPr>
             <a:xfrm>
-              <a:off x="2933290" y="3295706"/>
+              <a:off x="2991496" y="3295706"/>
               <a:ext cx="71332" cy="71332"/>
             </a:xfrm>
             <a:prstGeom prst="ellipse">
@@ -25095,7 +25095,7 @@
           </p:nvSpPr>
           <p:spPr>
             <a:xfrm>
-              <a:off x="2947440" y="3502342"/>
+              <a:off x="3006522" y="3502342"/>
               <a:ext cx="71332" cy="71332"/>
             </a:xfrm>
             <a:prstGeom prst="ellipse">
@@ -25130,7 +25130,7 @@
           </p:nvSpPr>
           <p:spPr>
             <a:xfrm>
-              <a:off x="3069707" y="3531862"/>
+              <a:off x="2951477" y="3531862"/>
               <a:ext cx="71332" cy="71332"/>
             </a:xfrm>
             <a:prstGeom prst="ellipse">
@@ -25165,7 +25165,7 @@
           </p:nvSpPr>
           <p:spPr>
             <a:xfrm>
-              <a:off x="2904709" y="3413784"/>
+              <a:off x="2976021" y="3413784"/>
               <a:ext cx="71332" cy="71332"/>
             </a:xfrm>
             <a:prstGeom prst="ellipse">
@@ -25200,7 +25200,7 @@
           </p:nvSpPr>
           <p:spPr>
             <a:xfrm>
-              <a:off x="3101074" y="3738498"/>
+              <a:off x="2903398" y="3738498"/>
               <a:ext cx="71332" cy="71332"/>
             </a:xfrm>
             <a:prstGeom prst="ellipse">
@@ -25235,7 +25235,7 @@
           </p:nvSpPr>
           <p:spPr>
             <a:xfrm>
-              <a:off x="3041795" y="3708978"/>
+              <a:off x="2903697" y="3708978"/>
               <a:ext cx="71332" cy="71332"/>
             </a:xfrm>
             <a:prstGeom prst="ellipse">
@@ -25270,7 +25270,7 @@
           </p:nvSpPr>
           <p:spPr>
             <a:xfrm>
-              <a:off x="3087936" y="3531862"/>
+              <a:off x="2988096" y="3531862"/>
               <a:ext cx="71332" cy="71332"/>
             </a:xfrm>
             <a:prstGeom prst="ellipse">
@@ -25305,7 +25305,7 @@
           </p:nvSpPr>
           <p:spPr>
             <a:xfrm>
-              <a:off x="2918936" y="3502342"/>
+              <a:off x="3050620" y="3502342"/>
               <a:ext cx="71332" cy="71332"/>
             </a:xfrm>
             <a:prstGeom prst="ellipse">
@@ -25340,7 +25340,7 @@
           </p:nvSpPr>
           <p:spPr>
             <a:xfrm>
-              <a:off x="3068099" y="3148109"/>
+              <a:off x="3001968" y="3148109"/>
               <a:ext cx="71332" cy="71332"/>
             </a:xfrm>
             <a:prstGeom prst="ellipse">
@@ -25375,7 +25375,7 @@
           </p:nvSpPr>
           <p:spPr>
             <a:xfrm>
-              <a:off x="2943798" y="3148109"/>
+              <a:off x="3086708" y="3148109"/>
               <a:ext cx="71332" cy="71332"/>
             </a:xfrm>
             <a:prstGeom prst="ellipse">
@@ -25410,7 +25410,7 @@
           </p:nvSpPr>
           <p:spPr>
             <a:xfrm>
-              <a:off x="2968178" y="3649939"/>
+              <a:off x="2952959" y="3649939"/>
               <a:ext cx="71332" cy="71332"/>
             </a:xfrm>
             <a:prstGeom prst="ellipse">
@@ -25445,7 +25445,7 @@
           </p:nvSpPr>
           <p:spPr>
             <a:xfrm>
-              <a:off x="2913616" y="3384264"/>
+              <a:off x="2979962" y="3384264"/>
               <a:ext cx="71332" cy="71332"/>
             </a:xfrm>
             <a:prstGeom prst="ellipse">
@@ -25480,7 +25480,7 @@
           </p:nvSpPr>
           <p:spPr>
             <a:xfrm>
-              <a:off x="2927709" y="3768017"/>
+              <a:off x="3079183" y="3768017"/>
               <a:ext cx="71332" cy="71332"/>
             </a:xfrm>
             <a:prstGeom prst="ellipse">
@@ -25515,7 +25515,7 @@
           </p:nvSpPr>
           <p:spPr>
             <a:xfrm>
-              <a:off x="3088772" y="3148109"/>
+              <a:off x="2925241" y="3148109"/>
               <a:ext cx="71332" cy="71332"/>
             </a:xfrm>
             <a:prstGeom prst="ellipse">
@@ -25550,7 +25550,7 @@
           </p:nvSpPr>
           <p:spPr>
             <a:xfrm>
-              <a:off x="2923798" y="3561381"/>
+              <a:off x="3002769" y="3561381"/>
               <a:ext cx="71332" cy="71332"/>
             </a:xfrm>
             <a:prstGeom prst="ellipse">
@@ -25585,7 +25585,7 @@
           </p:nvSpPr>
           <p:spPr>
             <a:xfrm>
-              <a:off x="2968895" y="3443303"/>
+              <a:off x="3088206" y="3443303"/>
               <a:ext cx="71332" cy="71332"/>
             </a:xfrm>
             <a:prstGeom prst="ellipse">
@@ -25620,7 +25620,7 @@
           </p:nvSpPr>
           <p:spPr>
             <a:xfrm>
-              <a:off x="3100463" y="3295706"/>
+              <a:off x="2937160" y="3295706"/>
               <a:ext cx="71332" cy="71332"/>
             </a:xfrm>
             <a:prstGeom prst="ellipse">
@@ -25655,7 +25655,7 @@
           </p:nvSpPr>
           <p:spPr>
             <a:xfrm>
-              <a:off x="2928466" y="3590900"/>
+              <a:off x="2993286" y="3590900"/>
               <a:ext cx="71332" cy="71332"/>
             </a:xfrm>
             <a:prstGeom prst="ellipse">
@@ -25690,7 +25690,7 @@
           </p:nvSpPr>
           <p:spPr>
             <a:xfrm>
-              <a:off x="3022322" y="3620420"/>
+              <a:off x="2991911" y="3620420"/>
               <a:ext cx="71332" cy="71332"/>
             </a:xfrm>
             <a:prstGeom prst="ellipse">
@@ -25725,7 +25725,7 @@
           </p:nvSpPr>
           <p:spPr>
             <a:xfrm>
-              <a:off x="3073200" y="3531862"/>
+              <a:off x="2999961" y="3531862"/>
               <a:ext cx="71332" cy="71332"/>
             </a:xfrm>
             <a:prstGeom prst="ellipse">
@@ -25760,7 +25760,7 @@
           </p:nvSpPr>
           <p:spPr>
             <a:xfrm>
-              <a:off x="3101729" y="3295706"/>
+              <a:off x="3036977" y="3295706"/>
               <a:ext cx="71332" cy="71332"/>
             </a:xfrm>
             <a:prstGeom prst="ellipse">
@@ -25795,7 +25795,7 @@
           </p:nvSpPr>
           <p:spPr>
             <a:xfrm>
-              <a:off x="3082992" y="3236667"/>
+              <a:off x="3045678" y="3236667"/>
               <a:ext cx="71332" cy="71332"/>
             </a:xfrm>
             <a:prstGeom prst="ellipse">
@@ -25830,7 +25830,7 @@
           </p:nvSpPr>
           <p:spPr>
             <a:xfrm>
-              <a:off x="2919076" y="3089070"/>
+              <a:off x="2924973" y="3089070"/>
               <a:ext cx="71332" cy="71332"/>
             </a:xfrm>
             <a:prstGeom prst="ellipse">
@@ -25865,7 +25865,7 @@
           </p:nvSpPr>
           <p:spPr>
             <a:xfrm>
-              <a:off x="2901458" y="3531862"/>
+              <a:off x="2918847" y="3531862"/>
               <a:ext cx="71332" cy="71332"/>
             </a:xfrm>
             <a:prstGeom prst="ellipse">
@@ -25900,7 +25900,7 @@
           </p:nvSpPr>
           <p:spPr>
             <a:xfrm>
-              <a:off x="3081526" y="3561381"/>
+              <a:off x="2943969" y="3561381"/>
               <a:ext cx="71332" cy="71332"/>
             </a:xfrm>
             <a:prstGeom prst="ellipse">
@@ -25935,7 +25935,7 @@
           </p:nvSpPr>
           <p:spPr>
             <a:xfrm>
-              <a:off x="2941797" y="3620420"/>
+              <a:off x="3043777" y="3620420"/>
               <a:ext cx="71332" cy="71332"/>
             </a:xfrm>
             <a:prstGeom prst="ellipse">
@@ -25970,7 +25970,7 @@
           </p:nvSpPr>
           <p:spPr>
             <a:xfrm>
-              <a:off x="3068123" y="3148109"/>
+              <a:off x="3069726" y="3148109"/>
               <a:ext cx="71332" cy="71332"/>
             </a:xfrm>
             <a:prstGeom prst="ellipse">
@@ -26005,7 +26005,7 @@
           </p:nvSpPr>
           <p:spPr>
             <a:xfrm>
-              <a:off x="2962996" y="3561381"/>
+              <a:off x="2949645" y="3561381"/>
               <a:ext cx="71332" cy="71332"/>
             </a:xfrm>
             <a:prstGeom prst="ellipse">
@@ -26040,7 +26040,7 @@
           </p:nvSpPr>
           <p:spPr>
             <a:xfrm>
-              <a:off x="3097861" y="3531862"/>
+              <a:off x="3093890" y="3531862"/>
               <a:ext cx="71332" cy="71332"/>
             </a:xfrm>
             <a:prstGeom prst="ellipse">
@@ -26075,7 +26075,7 @@
           </p:nvSpPr>
           <p:spPr>
             <a:xfrm>
-              <a:off x="3059033" y="3649939"/>
+              <a:off x="3035683" y="3649939"/>
               <a:ext cx="71332" cy="71332"/>
             </a:xfrm>
             <a:prstGeom prst="ellipse">
@@ -26110,7 +26110,7 @@
           </p:nvSpPr>
           <p:spPr>
             <a:xfrm>
-              <a:off x="3036413" y="3384264"/>
+              <a:off x="3048366" y="3384264"/>
               <a:ext cx="71332" cy="71332"/>
             </a:xfrm>
             <a:prstGeom prst="ellipse">
@@ -26145,7 +26145,7 @@
           </p:nvSpPr>
           <p:spPr>
             <a:xfrm>
-              <a:off x="2917917" y="3443303"/>
+              <a:off x="3087377" y="3443303"/>
               <a:ext cx="71332" cy="71332"/>
             </a:xfrm>
             <a:prstGeom prst="ellipse">
@@ -26180,7 +26180,7 @@
           </p:nvSpPr>
           <p:spPr>
             <a:xfrm>
-              <a:off x="3058988" y="3384264"/>
+              <a:off x="2987547" y="3384264"/>
               <a:ext cx="71332" cy="71332"/>
             </a:xfrm>
             <a:prstGeom prst="ellipse">
@@ -26215,7 +26215,7 @@
           </p:nvSpPr>
           <p:spPr>
             <a:xfrm>
-              <a:off x="2970868" y="3708978"/>
+              <a:off x="3009379" y="3708978"/>
               <a:ext cx="71332" cy="71332"/>
             </a:xfrm>
             <a:prstGeom prst="ellipse">
@@ -26250,7 +26250,7 @@
           </p:nvSpPr>
           <p:spPr>
             <a:xfrm>
-              <a:off x="2937947" y="3413784"/>
+              <a:off x="2987852" y="3413784"/>
               <a:ext cx="71332" cy="71332"/>
             </a:xfrm>
             <a:prstGeom prst="ellipse">
@@ -26285,7 +26285,7 @@
           </p:nvSpPr>
           <p:spPr>
             <a:xfrm>
-              <a:off x="2998581" y="3443303"/>
+              <a:off x="3041784" y="3443303"/>
               <a:ext cx="71332" cy="71332"/>
             </a:xfrm>
             <a:prstGeom prst="ellipse">
@@ -26320,7 +26320,7 @@
           </p:nvSpPr>
           <p:spPr>
             <a:xfrm>
-              <a:off x="3090546" y="3443303"/>
+              <a:off x="3075095" y="3443303"/>
               <a:ext cx="71332" cy="71332"/>
             </a:xfrm>
             <a:prstGeom prst="ellipse">
@@ -26355,7 +26355,7 @@
           </p:nvSpPr>
           <p:spPr>
             <a:xfrm>
-              <a:off x="3006300" y="3561381"/>
+              <a:off x="3067758" y="3561381"/>
               <a:ext cx="71332" cy="71332"/>
             </a:xfrm>
             <a:prstGeom prst="ellipse">
@@ -26390,7 +26390,7 @@
           </p:nvSpPr>
           <p:spPr>
             <a:xfrm>
-              <a:off x="3082871" y="3502342"/>
+              <a:off x="2921147" y="3502342"/>
               <a:ext cx="71332" cy="71332"/>
             </a:xfrm>
             <a:prstGeom prst="ellipse">
@@ -26425,7 +26425,7 @@
           </p:nvSpPr>
           <p:spPr>
             <a:xfrm>
-              <a:off x="3005181" y="3590900"/>
+              <a:off x="2993790" y="3590900"/>
               <a:ext cx="71332" cy="71332"/>
             </a:xfrm>
             <a:prstGeom prst="ellipse">
@@ -26460,7 +26460,7 @@
           </p:nvSpPr>
           <p:spPr>
             <a:xfrm>
-              <a:off x="3033661" y="3679459"/>
+              <a:off x="2926551" y="3679459"/>
               <a:ext cx="71332" cy="71332"/>
             </a:xfrm>
             <a:prstGeom prst="ellipse">
@@ -26495,7 +26495,7 @@
           </p:nvSpPr>
           <p:spPr>
             <a:xfrm>
-              <a:off x="1632808" y="3542946"/>
+              <a:off x="1632810" y="3542945"/>
               <a:ext cx="80453" cy="75389"/>
             </a:xfrm>
             <a:prstGeom prst="rect">
@@ -26541,7 +26541,7 @@
           </p:nvSpPr>
           <p:spPr>
             <a:xfrm>
-              <a:off x="2312961" y="3162494"/>
+              <a:off x="2312962" y="3162494"/>
               <a:ext cx="83338" cy="101609"/>
             </a:xfrm>
             <a:prstGeom prst="rect">
@@ -27556,7 +27556,7 @@
           </p:nvSpPr>
           <p:spPr>
             <a:xfrm>
-              <a:off x="3878480" y="2430683"/>
+              <a:off x="3933774" y="2430683"/>
               <a:ext cx="71332" cy="71332"/>
             </a:xfrm>
             <a:prstGeom prst="ellipse">
@@ -27591,7 +27591,7 @@
           </p:nvSpPr>
           <p:spPr>
             <a:xfrm>
-              <a:off x="3907351" y="2430683"/>
+              <a:off x="3943904" y="2430683"/>
               <a:ext cx="71332" cy="71332"/>
             </a:xfrm>
             <a:prstGeom prst="ellipse">
@@ -27626,7 +27626,7 @@
           </p:nvSpPr>
           <p:spPr>
             <a:xfrm>
-              <a:off x="3882318" y="2430683"/>
+              <a:off x="3823546" y="2430683"/>
               <a:ext cx="71332" cy="71332"/>
             </a:xfrm>
             <a:prstGeom prst="ellipse">
@@ -27661,7 +27661,7 @@
           </p:nvSpPr>
           <p:spPr>
             <a:xfrm>
-              <a:off x="3787067" y="2430683"/>
+              <a:off x="3837786" y="2430683"/>
               <a:ext cx="71332" cy="71332"/>
             </a:xfrm>
             <a:prstGeom prst="ellipse">
@@ -27696,7 +27696,7 @@
           </p:nvSpPr>
           <p:spPr>
             <a:xfrm>
-              <a:off x="3887654" y="2430683"/>
+              <a:off x="3821996" y="2430683"/>
               <a:ext cx="71332" cy="71332"/>
             </a:xfrm>
             <a:prstGeom prst="ellipse">
@@ -27731,7 +27731,7 @@
           </p:nvSpPr>
           <p:spPr>
             <a:xfrm>
-              <a:off x="3856729" y="2347950"/>
+              <a:off x="3839119" y="2347950"/>
               <a:ext cx="71332" cy="71332"/>
             </a:xfrm>
             <a:prstGeom prst="ellipse">
@@ -27766,7 +27766,7 @@
           </p:nvSpPr>
           <p:spPr>
             <a:xfrm>
-              <a:off x="3953793" y="2389317"/>
+              <a:off x="3875201" y="2389317"/>
               <a:ext cx="71332" cy="71332"/>
             </a:xfrm>
             <a:prstGeom prst="ellipse">
@@ -27801,7 +27801,7 @@
           </p:nvSpPr>
           <p:spPr>
             <a:xfrm>
-              <a:off x="3958852" y="2430683"/>
+              <a:off x="3808040" y="2430683"/>
               <a:ext cx="71332" cy="71332"/>
             </a:xfrm>
             <a:prstGeom prst="ellipse">
@@ -27836,7 +27836,7 @@
           </p:nvSpPr>
           <p:spPr>
             <a:xfrm>
-              <a:off x="3848108" y="2430683"/>
+              <a:off x="3935299" y="2430683"/>
               <a:ext cx="71332" cy="71332"/>
             </a:xfrm>
             <a:prstGeom prst="ellipse">
@@ -27871,7 +27871,7 @@
           </p:nvSpPr>
           <p:spPr>
             <a:xfrm>
-              <a:off x="3925827" y="2472050"/>
+              <a:off x="3794419" y="2472050"/>
               <a:ext cx="71332" cy="71332"/>
             </a:xfrm>
             <a:prstGeom prst="ellipse">
@@ -27906,7 +27906,7 @@
           </p:nvSpPr>
           <p:spPr>
             <a:xfrm>
-              <a:off x="3941986" y="2430683"/>
+              <a:off x="3813510" y="2430683"/>
               <a:ext cx="71332" cy="71332"/>
             </a:xfrm>
             <a:prstGeom prst="ellipse">
@@ -27941,7 +27941,7 @@
           </p:nvSpPr>
           <p:spPr>
             <a:xfrm>
-              <a:off x="3938405" y="2430683"/>
+              <a:off x="3963527" y="2430683"/>
               <a:ext cx="71332" cy="71332"/>
             </a:xfrm>
             <a:prstGeom prst="ellipse">
@@ -27976,7 +27976,7 @@
           </p:nvSpPr>
           <p:spPr>
             <a:xfrm>
-              <a:off x="3939788" y="2472050"/>
+              <a:off x="3949822" y="2472050"/>
               <a:ext cx="71332" cy="71332"/>
             </a:xfrm>
             <a:prstGeom prst="ellipse">
@@ -28011,7 +28011,7 @@
           </p:nvSpPr>
           <p:spPr>
             <a:xfrm>
-              <a:off x="3807600" y="2472050"/>
+              <a:off x="3943267" y="2472050"/>
               <a:ext cx="71332" cy="71332"/>
             </a:xfrm>
             <a:prstGeom prst="ellipse">
@@ -28046,7 +28046,7 @@
           </p:nvSpPr>
           <p:spPr>
             <a:xfrm>
-              <a:off x="3854992" y="2430683"/>
+              <a:off x="3871532" y="2430683"/>
               <a:ext cx="71332" cy="71332"/>
             </a:xfrm>
             <a:prstGeom prst="ellipse">
@@ -28081,7 +28081,7 @@
           </p:nvSpPr>
           <p:spPr>
             <a:xfrm>
-              <a:off x="3836056" y="2347950"/>
+              <a:off x="3796292" y="2347950"/>
               <a:ext cx="71332" cy="71332"/>
             </a:xfrm>
             <a:prstGeom prst="ellipse">
@@ -28116,7 +28116,7 @@
           </p:nvSpPr>
           <p:spPr>
             <a:xfrm>
-              <a:off x="3977635" y="2347950"/>
+              <a:off x="3877330" y="2347950"/>
               <a:ext cx="71332" cy="71332"/>
             </a:xfrm>
             <a:prstGeom prst="ellipse">
@@ -28151,7 +28151,7 @@
           </p:nvSpPr>
           <p:spPr>
             <a:xfrm>
-              <a:off x="3878886" y="2389317"/>
+              <a:off x="3966472" y="2389317"/>
               <a:ext cx="71332" cy="71332"/>
             </a:xfrm>
             <a:prstGeom prst="ellipse">
@@ -28186,7 +28186,7 @@
           </p:nvSpPr>
           <p:spPr>
             <a:xfrm>
-              <a:off x="3852453" y="2389317"/>
+              <a:off x="3882310" y="2389317"/>
               <a:ext cx="71332" cy="71332"/>
             </a:xfrm>
             <a:prstGeom prst="ellipse">
@@ -28221,7 +28221,7 @@
           </p:nvSpPr>
           <p:spPr>
             <a:xfrm>
-              <a:off x="3950818" y="2389317"/>
+              <a:off x="3896045" y="2389317"/>
               <a:ext cx="71332" cy="71332"/>
             </a:xfrm>
             <a:prstGeom prst="ellipse">
@@ -28256,7 +28256,7 @@
           </p:nvSpPr>
           <p:spPr>
             <a:xfrm>
-              <a:off x="3898288" y="2430683"/>
+              <a:off x="3801682" y="2430683"/>
               <a:ext cx="71332" cy="71332"/>
             </a:xfrm>
             <a:prstGeom prst="ellipse">
@@ -28291,7 +28291,7 @@
           </p:nvSpPr>
           <p:spPr>
             <a:xfrm>
-              <a:off x="3800509" y="2347950"/>
+              <a:off x="3913104" y="2347950"/>
               <a:ext cx="71332" cy="71332"/>
             </a:xfrm>
             <a:prstGeom prst="ellipse">
@@ -28326,7 +28326,7 @@
           </p:nvSpPr>
           <p:spPr>
             <a:xfrm>
-              <a:off x="3905172" y="2430683"/>
+              <a:off x="3822018" y="2430683"/>
               <a:ext cx="71332" cy="71332"/>
             </a:xfrm>
             <a:prstGeom prst="ellipse">
@@ -28361,7 +28361,7 @@
           </p:nvSpPr>
           <p:spPr>
             <a:xfrm>
-              <a:off x="3976663" y="2306583"/>
+              <a:off x="3868923" y="2306583"/>
               <a:ext cx="71332" cy="71332"/>
             </a:xfrm>
             <a:prstGeom prst="ellipse">
@@ -28396,7 +28396,7 @@
           </p:nvSpPr>
           <p:spPr>
             <a:xfrm>
-              <a:off x="3828157" y="2430683"/>
+              <a:off x="3795973" y="2430683"/>
               <a:ext cx="71332" cy="71332"/>
             </a:xfrm>
             <a:prstGeom prst="ellipse">
@@ -28431,7 +28431,7 @@
           </p:nvSpPr>
           <p:spPr>
             <a:xfrm>
-              <a:off x="3986366" y="2430683"/>
+              <a:off x="3816424" y="2430683"/>
               <a:ext cx="71332" cy="71332"/>
             </a:xfrm>
             <a:prstGeom prst="ellipse">
@@ -28466,7 +28466,7 @@
           </p:nvSpPr>
           <p:spPr>
             <a:xfrm>
-              <a:off x="3796924" y="2347950"/>
+              <a:off x="3962673" y="2347950"/>
               <a:ext cx="71332" cy="71332"/>
             </a:xfrm>
             <a:prstGeom prst="ellipse">
@@ -28501,7 +28501,7 @@
           </p:nvSpPr>
           <p:spPr>
             <a:xfrm>
-              <a:off x="3878053" y="2430683"/>
+              <a:off x="3986265" y="2430683"/>
               <a:ext cx="71332" cy="71332"/>
             </a:xfrm>
             <a:prstGeom prst="ellipse">
@@ -28536,7 +28536,7 @@
           </p:nvSpPr>
           <p:spPr>
             <a:xfrm>
-              <a:off x="3856532" y="2430683"/>
+              <a:off x="3835991" y="2430683"/>
               <a:ext cx="71332" cy="71332"/>
             </a:xfrm>
             <a:prstGeom prst="ellipse">
@@ -28571,7 +28571,7 @@
           </p:nvSpPr>
           <p:spPr>
             <a:xfrm>
-              <a:off x="3868528" y="2430683"/>
+              <a:off x="3842674" y="2430683"/>
               <a:ext cx="71332" cy="71332"/>
             </a:xfrm>
             <a:prstGeom prst="ellipse">
@@ -28606,7 +28606,7 @@
           </p:nvSpPr>
           <p:spPr>
             <a:xfrm>
-              <a:off x="3800299" y="2430683"/>
+              <a:off x="3791884" y="2430683"/>
               <a:ext cx="71332" cy="71332"/>
             </a:xfrm>
             <a:prstGeom prst="ellipse">
@@ -28641,7 +28641,7 @@
           </p:nvSpPr>
           <p:spPr>
             <a:xfrm>
-              <a:off x="3846698" y="2347950"/>
+              <a:off x="3904458" y="2347950"/>
               <a:ext cx="71332" cy="71332"/>
             </a:xfrm>
             <a:prstGeom prst="ellipse">
@@ -28676,7 +28676,7 @@
           </p:nvSpPr>
           <p:spPr>
             <a:xfrm>
-              <a:off x="3981762" y="2472050"/>
+              <a:off x="3928141" y="2472050"/>
               <a:ext cx="71332" cy="71332"/>
             </a:xfrm>
             <a:prstGeom prst="ellipse">
@@ -28711,7 +28711,7 @@
           </p:nvSpPr>
           <p:spPr>
             <a:xfrm>
-              <a:off x="3914776" y="2430683"/>
+              <a:off x="3858881" y="2430683"/>
               <a:ext cx="71332" cy="71332"/>
             </a:xfrm>
             <a:prstGeom prst="ellipse">
@@ -28746,7 +28746,7 @@
           </p:nvSpPr>
           <p:spPr>
             <a:xfrm>
-              <a:off x="3908353" y="2430683"/>
+              <a:off x="3975287" y="2430683"/>
               <a:ext cx="71332" cy="71332"/>
             </a:xfrm>
             <a:prstGeom prst="ellipse">
@@ -28781,7 +28781,7 @@
           </p:nvSpPr>
           <p:spPr>
             <a:xfrm>
-              <a:off x="3953406" y="2430683"/>
+              <a:off x="3906425" y="2430683"/>
               <a:ext cx="71332" cy="71332"/>
             </a:xfrm>
             <a:prstGeom prst="ellipse">
@@ -28816,7 +28816,7 @@
           </p:nvSpPr>
           <p:spPr>
             <a:xfrm>
-              <a:off x="3892273" y="2430683"/>
+              <a:off x="3929640" y="2430683"/>
               <a:ext cx="71332" cy="71332"/>
             </a:xfrm>
             <a:prstGeom prst="ellipse">
@@ -28851,7 +28851,7 @@
           </p:nvSpPr>
           <p:spPr>
             <a:xfrm>
-              <a:off x="3934784" y="2472050"/>
+              <a:off x="3834552" y="2472050"/>
               <a:ext cx="71332" cy="71332"/>
             </a:xfrm>
             <a:prstGeom prst="ellipse">
@@ -28886,7 +28886,7 @@
           </p:nvSpPr>
           <p:spPr>
             <a:xfrm>
-              <a:off x="3818057" y="2430683"/>
+              <a:off x="3817970" y="2430683"/>
               <a:ext cx="71332" cy="71332"/>
             </a:xfrm>
             <a:prstGeom prst="ellipse">
@@ -28921,7 +28921,7 @@
           </p:nvSpPr>
           <p:spPr>
             <a:xfrm>
-              <a:off x="3863378" y="2430683"/>
+              <a:off x="3794382" y="2430683"/>
               <a:ext cx="71332" cy="71332"/>
             </a:xfrm>
             <a:prstGeom prst="ellipse">
@@ -28956,7 +28956,7 @@
           </p:nvSpPr>
           <p:spPr>
             <a:xfrm>
-              <a:off x="3928571" y="2389317"/>
+              <a:off x="3785273" y="2389317"/>
               <a:ext cx="71332" cy="71332"/>
             </a:xfrm>
             <a:prstGeom prst="ellipse">
@@ -28991,7 +28991,7 @@
           </p:nvSpPr>
           <p:spPr>
             <a:xfrm>
-              <a:off x="3823162" y="2389317"/>
+              <a:off x="3845256" y="2389317"/>
               <a:ext cx="71332" cy="71332"/>
             </a:xfrm>
             <a:prstGeom prst="ellipse">
@@ -29026,7 +29026,7 @@
           </p:nvSpPr>
           <p:spPr>
             <a:xfrm>
-              <a:off x="3926025" y="2430683"/>
+              <a:off x="3845991" y="2430683"/>
               <a:ext cx="71332" cy="71332"/>
             </a:xfrm>
             <a:prstGeom prst="ellipse">
@@ -29061,7 +29061,7 @@
           </p:nvSpPr>
           <p:spPr>
             <a:xfrm>
-              <a:off x="3984351" y="2265216"/>
+              <a:off x="3942124" y="2265216"/>
               <a:ext cx="71332" cy="71332"/>
             </a:xfrm>
             <a:prstGeom prst="ellipse">
@@ -29096,7 +29096,7 @@
           </p:nvSpPr>
           <p:spPr>
             <a:xfrm>
-              <a:off x="3802186" y="2347950"/>
+              <a:off x="3934622" y="2347950"/>
               <a:ext cx="71332" cy="71332"/>
             </a:xfrm>
             <a:prstGeom prst="ellipse">
@@ -29131,7 +29131,7 @@
           </p:nvSpPr>
           <p:spPr>
             <a:xfrm>
-              <a:off x="3911418" y="2389317"/>
+              <a:off x="3843854" y="2389317"/>
               <a:ext cx="71332" cy="71332"/>
             </a:xfrm>
             <a:prstGeom prst="ellipse">
@@ -29166,7 +29166,7 @@
           </p:nvSpPr>
           <p:spPr>
             <a:xfrm>
-              <a:off x="3881377" y="2430683"/>
+              <a:off x="3976665" y="2430683"/>
               <a:ext cx="71332" cy="71332"/>
             </a:xfrm>
             <a:prstGeom prst="ellipse">
@@ -29201,7 +29201,7 @@
           </p:nvSpPr>
           <p:spPr>
             <a:xfrm>
-              <a:off x="3871855" y="2430683"/>
+              <a:off x="3885290" y="2430683"/>
               <a:ext cx="71332" cy="71332"/>
             </a:xfrm>
             <a:prstGeom prst="ellipse">
@@ -29236,7 +29236,7 @@
           </p:nvSpPr>
           <p:spPr>
             <a:xfrm>
-              <a:off x="3842016" y="2430683"/>
+              <a:off x="3837060" y="2430683"/>
               <a:ext cx="71332" cy="71332"/>
             </a:xfrm>
             <a:prstGeom prst="ellipse">
@@ -29271,7 +29271,7 @@
           </p:nvSpPr>
           <p:spPr>
             <a:xfrm>
-              <a:off x="3985740" y="2430683"/>
+              <a:off x="3859628" y="2430683"/>
               <a:ext cx="71332" cy="71332"/>
             </a:xfrm>
             <a:prstGeom prst="ellipse">
@@ -29306,7 +29306,7 @@
           </p:nvSpPr>
           <p:spPr>
             <a:xfrm>
-              <a:off x="4550956" y="1934283"/>
+              <a:off x="4485092" y="1934283"/>
               <a:ext cx="71332" cy="71332"/>
             </a:xfrm>
             <a:prstGeom prst="ellipse">
@@ -29341,7 +29341,7 @@
           </p:nvSpPr>
           <p:spPr>
             <a:xfrm>
-              <a:off x="4533435" y="1892916"/>
+              <a:off x="4499564" y="1892916"/>
               <a:ext cx="71332" cy="71332"/>
             </a:xfrm>
             <a:prstGeom prst="ellipse">
@@ -29376,7 +29376,7 @@
           </p:nvSpPr>
           <p:spPr>
             <a:xfrm>
-              <a:off x="4620482" y="1892916"/>
+              <a:off x="4588128" y="1892916"/>
               <a:ext cx="71332" cy="71332"/>
             </a:xfrm>
             <a:prstGeom prst="ellipse">
@@ -29411,7 +29411,7 @@
           </p:nvSpPr>
           <p:spPr>
             <a:xfrm>
-              <a:off x="4650448" y="1975649"/>
+              <a:off x="4590336" y="1975649"/>
               <a:ext cx="71332" cy="71332"/>
             </a:xfrm>
             <a:prstGeom prst="ellipse">
@@ -29446,7 +29446,7 @@
           </p:nvSpPr>
           <p:spPr>
             <a:xfrm>
-              <a:off x="4591108" y="1892916"/>
+              <a:off x="4523562" y="1892916"/>
               <a:ext cx="71332" cy="71332"/>
             </a:xfrm>
             <a:prstGeom prst="ellipse">
@@ -29481,7 +29481,7 @@
           </p:nvSpPr>
           <p:spPr>
             <a:xfrm>
-              <a:off x="4479936" y="1975649"/>
+              <a:off x="4558689" y="1975649"/>
               <a:ext cx="71332" cy="71332"/>
             </a:xfrm>
             <a:prstGeom prst="ellipse">
@@ -29516,7 +29516,7 @@
           </p:nvSpPr>
           <p:spPr>
             <a:xfrm>
-              <a:off x="4501981" y="1851549"/>
+              <a:off x="4613478" y="1851549"/>
               <a:ext cx="71332" cy="71332"/>
             </a:xfrm>
             <a:prstGeom prst="ellipse">
@@ -29551,7 +29551,7 @@
           </p:nvSpPr>
           <p:spPr>
             <a:xfrm>
-              <a:off x="4583989" y="2099749"/>
+              <a:off x="4510510" y="2099749"/>
               <a:ext cx="71332" cy="71332"/>
             </a:xfrm>
             <a:prstGeom prst="ellipse">
@@ -29586,7 +29586,7 @@
           </p:nvSpPr>
           <p:spPr>
             <a:xfrm>
-              <a:off x="4466439" y="1975649"/>
+              <a:off x="4585001" y="1975649"/>
               <a:ext cx="71332" cy="71332"/>
             </a:xfrm>
             <a:prstGeom prst="ellipse">
@@ -29621,7 +29621,7 @@
           </p:nvSpPr>
           <p:spPr>
             <a:xfrm>
-              <a:off x="4588179" y="1934283"/>
+              <a:off x="4641283" y="1934283"/>
               <a:ext cx="71332" cy="71332"/>
             </a:xfrm>
             <a:prstGeom prst="ellipse">
@@ -29656,7 +29656,7 @@
           </p:nvSpPr>
           <p:spPr>
             <a:xfrm>
-              <a:off x="4654220" y="2099749"/>
+              <a:off x="4483658" y="2099749"/>
               <a:ext cx="71332" cy="71332"/>
             </a:xfrm>
             <a:prstGeom prst="ellipse">
@@ -29691,7 +29691,7 @@
           </p:nvSpPr>
           <p:spPr>
             <a:xfrm>
-              <a:off x="4644257" y="1892916"/>
+              <a:off x="4495946" y="1892916"/>
               <a:ext cx="71332" cy="71332"/>
             </a:xfrm>
             <a:prstGeom prst="ellipse">
@@ -29726,7 +29726,7 @@
           </p:nvSpPr>
           <p:spPr>
             <a:xfrm>
-              <a:off x="4611190" y="2099749"/>
+              <a:off x="4649582" y="2099749"/>
               <a:ext cx="71332" cy="71332"/>
             </a:xfrm>
             <a:prstGeom prst="ellipse">
@@ -29761,7 +29761,7 @@
           </p:nvSpPr>
           <p:spPr>
             <a:xfrm>
-              <a:off x="4641243" y="1934283"/>
+              <a:off x="4651088" y="1934283"/>
               <a:ext cx="71332" cy="71332"/>
             </a:xfrm>
             <a:prstGeom prst="ellipse">
@@ -29796,7 +29796,7 @@
           </p:nvSpPr>
           <p:spPr>
             <a:xfrm>
-              <a:off x="4622966" y="1975649"/>
+              <a:off x="4532127" y="1975649"/>
               <a:ext cx="71332" cy="71332"/>
             </a:xfrm>
             <a:prstGeom prst="ellipse">
@@ -29831,7 +29831,7 @@
           </p:nvSpPr>
           <p:spPr>
             <a:xfrm>
-              <a:off x="4608222" y="1934283"/>
+              <a:off x="4641493" y="1934283"/>
               <a:ext cx="71332" cy="71332"/>
             </a:xfrm>
             <a:prstGeom prst="ellipse">
@@ -29866,7 +29866,7 @@
           </p:nvSpPr>
           <p:spPr>
             <a:xfrm>
-              <a:off x="4469076" y="1892916"/>
+              <a:off x="4472175" y="1892916"/>
               <a:ext cx="71332" cy="71332"/>
             </a:xfrm>
             <a:prstGeom prst="ellipse">
@@ -29901,7 +29901,7 @@
           </p:nvSpPr>
           <p:spPr>
             <a:xfrm>
-              <a:off x="4537621" y="2099749"/>
+              <a:off x="4669066" y="2099749"/>
               <a:ext cx="71332" cy="71332"/>
             </a:xfrm>
             <a:prstGeom prst="ellipse">
@@ -29936,7 +29936,7 @@
           </p:nvSpPr>
           <p:spPr>
             <a:xfrm>
-              <a:off x="4560383" y="1892916"/>
+              <a:off x="4587966" y="1892916"/>
               <a:ext cx="71332" cy="71332"/>
             </a:xfrm>
             <a:prstGeom prst="ellipse">
@@ -29971,7 +29971,7 @@
           </p:nvSpPr>
           <p:spPr>
             <a:xfrm>
-              <a:off x="4466562" y="2058383"/>
+              <a:off x="4576024" y="2058383"/>
               <a:ext cx="71332" cy="71332"/>
             </a:xfrm>
             <a:prstGeom prst="ellipse">
@@ -30006,7 +30006,7 @@
           </p:nvSpPr>
           <p:spPr>
             <a:xfrm>
-              <a:off x="4604130" y="1768816"/>
+              <a:off x="4557303" y="1768816"/>
               <a:ext cx="71332" cy="71332"/>
             </a:xfrm>
             <a:prstGeom prst="ellipse">
@@ -30041,7 +30041,7 @@
           </p:nvSpPr>
           <p:spPr>
             <a:xfrm>
-              <a:off x="4562636" y="1975649"/>
+              <a:off x="4660674" y="1975649"/>
               <a:ext cx="71332" cy="71332"/>
             </a:xfrm>
             <a:prstGeom prst="ellipse">
@@ -30076,7 +30076,7 @@
           </p:nvSpPr>
           <p:spPr>
             <a:xfrm>
-              <a:off x="4589714" y="1892916"/>
+              <a:off x="4547372" y="1892916"/>
               <a:ext cx="71332" cy="71332"/>
             </a:xfrm>
             <a:prstGeom prst="ellipse">
@@ -30111,7 +30111,7 @@
           </p:nvSpPr>
           <p:spPr>
             <a:xfrm>
-              <a:off x="4587819" y="2017016"/>
+              <a:off x="4501929" y="2017016"/>
               <a:ext cx="71332" cy="71332"/>
             </a:xfrm>
             <a:prstGeom prst="ellipse">
@@ -30146,7 +30146,7 @@
           </p:nvSpPr>
           <p:spPr>
             <a:xfrm>
-              <a:off x="4614379" y="1975649"/>
+              <a:off x="4610659" y="1975649"/>
               <a:ext cx="71332" cy="71332"/>
             </a:xfrm>
             <a:prstGeom prst="ellipse">
@@ -30181,7 +30181,7 @@
           </p:nvSpPr>
           <p:spPr>
             <a:xfrm>
-              <a:off x="4488427" y="1934283"/>
+              <a:off x="4669629" y="1934283"/>
               <a:ext cx="71332" cy="71332"/>
             </a:xfrm>
             <a:prstGeom prst="ellipse">
@@ -30216,7 +30216,7 @@
           </p:nvSpPr>
           <p:spPr>
             <a:xfrm>
-              <a:off x="4555143" y="1934283"/>
+              <a:off x="4552570" y="1934283"/>
               <a:ext cx="71332" cy="71332"/>
             </a:xfrm>
             <a:prstGeom prst="ellipse">
@@ -30251,7 +30251,7 @@
           </p:nvSpPr>
           <p:spPr>
             <a:xfrm>
-              <a:off x="4504106" y="1810182"/>
+              <a:off x="4662842" y="1810182"/>
               <a:ext cx="71332" cy="71332"/>
             </a:xfrm>
             <a:prstGeom prst="ellipse">
@@ -30286,7 +30286,7 @@
           </p:nvSpPr>
           <p:spPr>
             <a:xfrm>
-              <a:off x="4500739" y="1892916"/>
+              <a:off x="4604463" y="1892916"/>
               <a:ext cx="71332" cy="71332"/>
             </a:xfrm>
             <a:prstGeom prst="ellipse">
@@ -30321,7 +30321,7 @@
           </p:nvSpPr>
           <p:spPr>
             <a:xfrm>
-              <a:off x="4569715" y="2099749"/>
+              <a:off x="4613387" y="2099749"/>
               <a:ext cx="71332" cy="71332"/>
             </a:xfrm>
             <a:prstGeom prst="ellipse">
@@ -30356,7 +30356,7 @@
           </p:nvSpPr>
           <p:spPr>
             <a:xfrm>
-              <a:off x="4587508" y="2058383"/>
+              <a:off x="4595549" y="2058383"/>
               <a:ext cx="71332" cy="71332"/>
             </a:xfrm>
             <a:prstGeom prst="ellipse">
@@ -30391,7 +30391,7 @@
           </p:nvSpPr>
           <p:spPr>
             <a:xfrm>
-              <a:off x="4634348" y="2099749"/>
+              <a:off x="4479966" y="2099749"/>
               <a:ext cx="71332" cy="71332"/>
             </a:xfrm>
             <a:prstGeom prst="ellipse">
@@ -30426,7 +30426,7 @@
           </p:nvSpPr>
           <p:spPr>
             <a:xfrm>
-              <a:off x="4591732" y="2017016"/>
+              <a:off x="4497235" y="2017016"/>
               <a:ext cx="71332" cy="71332"/>
             </a:xfrm>
             <a:prstGeom prst="ellipse">
@@ -30461,7 +30461,7 @@
           </p:nvSpPr>
           <p:spPr>
             <a:xfrm>
-              <a:off x="4524773" y="1851549"/>
+              <a:off x="4663715" y="1851549"/>
               <a:ext cx="71332" cy="71332"/>
             </a:xfrm>
             <a:prstGeom prst="ellipse">
@@ -30496,7 +30496,7 @@
           </p:nvSpPr>
           <p:spPr>
             <a:xfrm>
-              <a:off x="4564851" y="1892916"/>
+              <a:off x="4638524" y="1892916"/>
               <a:ext cx="71332" cy="71332"/>
             </a:xfrm>
             <a:prstGeom prst="ellipse">
@@ -30531,7 +30531,7 @@
           </p:nvSpPr>
           <p:spPr>
             <a:xfrm>
-              <a:off x="4648118" y="1851549"/>
+              <a:off x="4519955" y="1851549"/>
               <a:ext cx="71332" cy="71332"/>
             </a:xfrm>
             <a:prstGeom prst="ellipse">
@@ -30566,7 +30566,7 @@
           </p:nvSpPr>
           <p:spPr>
             <a:xfrm>
-              <a:off x="4621339" y="1892916"/>
+              <a:off x="4520130" y="1892916"/>
               <a:ext cx="71332" cy="71332"/>
             </a:xfrm>
             <a:prstGeom prst="ellipse">
@@ -30601,7 +30601,7 @@
           </p:nvSpPr>
           <p:spPr>
             <a:xfrm>
-              <a:off x="4566287" y="1975649"/>
+              <a:off x="4489135" y="1975649"/>
               <a:ext cx="71332" cy="71332"/>
             </a:xfrm>
             <a:prstGeom prst="ellipse">
@@ -30636,7 +30636,7 @@
           </p:nvSpPr>
           <p:spPr>
             <a:xfrm>
-              <a:off x="4525296" y="1975649"/>
+              <a:off x="4584005" y="1975649"/>
               <a:ext cx="71332" cy="71332"/>
             </a:xfrm>
             <a:prstGeom prst="ellipse">
@@ -30671,7 +30671,7 @@
           </p:nvSpPr>
           <p:spPr>
             <a:xfrm>
-              <a:off x="4642886" y="1975649"/>
+              <a:off x="4567716" y="1975649"/>
               <a:ext cx="71332" cy="71332"/>
             </a:xfrm>
             <a:prstGeom prst="ellipse">
@@ -30706,7 +30706,7 @@
           </p:nvSpPr>
           <p:spPr>
             <a:xfrm>
-              <a:off x="4557535" y="2017016"/>
+              <a:off x="4472510" y="2017016"/>
               <a:ext cx="71332" cy="71332"/>
             </a:xfrm>
             <a:prstGeom prst="ellipse">
@@ -30741,7 +30741,7 @@
           </p:nvSpPr>
           <p:spPr>
             <a:xfrm>
-              <a:off x="4554416" y="1934283"/>
+              <a:off x="4602717" y="1934283"/>
               <a:ext cx="71332" cy="71332"/>
             </a:xfrm>
             <a:prstGeom prst="ellipse">
@@ -30776,7 +30776,7 @@
           </p:nvSpPr>
           <p:spPr>
             <a:xfrm>
-              <a:off x="4564571" y="2017016"/>
+              <a:off x="4468040" y="2017016"/>
               <a:ext cx="71332" cy="71332"/>
             </a:xfrm>
             <a:prstGeom prst="ellipse">
@@ -30811,7 +30811,7 @@
           </p:nvSpPr>
           <p:spPr>
             <a:xfrm>
-              <a:off x="4639365" y="2099749"/>
+              <a:off x="4631397" y="2099749"/>
               <a:ext cx="71332" cy="71332"/>
             </a:xfrm>
             <a:prstGeom prst="ellipse">
@@ -30846,7 +30846,7 @@
           </p:nvSpPr>
           <p:spPr>
             <a:xfrm>
-              <a:off x="4521554" y="1975649"/>
+              <a:off x="4561506" y="1975649"/>
               <a:ext cx="71332" cy="71332"/>
             </a:xfrm>
             <a:prstGeom prst="ellipse">
@@ -30881,7 +30881,7 @@
           </p:nvSpPr>
           <p:spPr>
             <a:xfrm>
-              <a:off x="4624436" y="2017016"/>
+              <a:off x="4581710" y="2017016"/>
               <a:ext cx="71332" cy="71332"/>
             </a:xfrm>
             <a:prstGeom prst="ellipse">
@@ -30916,7 +30916,7 @@
           </p:nvSpPr>
           <p:spPr>
             <a:xfrm>
-              <a:off x="4511282" y="1975649"/>
+              <a:off x="4543044" y="1975649"/>
               <a:ext cx="71332" cy="71332"/>
             </a:xfrm>
             <a:prstGeom prst="ellipse">
@@ -30951,7 +30951,7 @@
           </p:nvSpPr>
           <p:spPr>
             <a:xfrm>
-              <a:off x="4595174" y="1975649"/>
+              <a:off x="4509462" y="1975649"/>
               <a:ext cx="71332" cy="71332"/>
             </a:xfrm>
             <a:prstGeom prst="ellipse">
@@ -30986,7 +30986,7 @@
           </p:nvSpPr>
           <p:spPr>
             <a:xfrm>
-              <a:off x="4611306" y="2058383"/>
+              <a:off x="4593375" y="2058383"/>
               <a:ext cx="71332" cy="71332"/>
             </a:xfrm>
             <a:prstGeom prst="ellipse">
@@ -31021,7 +31021,7 @@
           </p:nvSpPr>
           <p:spPr>
             <a:xfrm>
-              <a:off x="4499358" y="1975649"/>
+              <a:off x="4595782" y="1975649"/>
               <a:ext cx="71332" cy="71332"/>
             </a:xfrm>
             <a:prstGeom prst="ellipse">
@@ -31056,7 +31056,7 @@
           </p:nvSpPr>
           <p:spPr>
             <a:xfrm>
-              <a:off x="5247452" y="1479249"/>
+              <a:off x="5323364" y="1479249"/>
               <a:ext cx="71332" cy="71332"/>
             </a:xfrm>
             <a:prstGeom prst="ellipse">
@@ -31091,7 +31091,7 @@
           </p:nvSpPr>
           <p:spPr>
             <a:xfrm>
-              <a:off x="5297900" y="1727449"/>
+              <a:off x="5235223" y="1727449"/>
               <a:ext cx="71332" cy="71332"/>
             </a:xfrm>
             <a:prstGeom prst="ellipse">
@@ -31126,7 +31126,7 @@
           </p:nvSpPr>
           <p:spPr>
             <a:xfrm>
-              <a:off x="5278064" y="1644715"/>
+              <a:off x="5276885" y="1644715"/>
               <a:ext cx="71332" cy="71332"/>
             </a:xfrm>
             <a:prstGeom prst="ellipse">
@@ -31161,7 +31161,7 @@
           </p:nvSpPr>
           <p:spPr>
             <a:xfrm>
-              <a:off x="5227464" y="1768816"/>
+              <a:off x="5300659" y="1768816"/>
               <a:ext cx="71332" cy="71332"/>
             </a:xfrm>
             <a:prstGeom prst="ellipse">
@@ -31196,7 +31196,7 @@
           </p:nvSpPr>
           <p:spPr>
             <a:xfrm>
-              <a:off x="5309074" y="1603349"/>
+              <a:off x="5342959" y="1603349"/>
               <a:ext cx="71332" cy="71332"/>
             </a:xfrm>
             <a:prstGeom prst="ellipse">
@@ -31231,7 +31231,7 @@
           </p:nvSpPr>
           <p:spPr>
             <a:xfrm>
-              <a:off x="5305287" y="1644715"/>
+              <a:off x="5227608" y="1644715"/>
               <a:ext cx="71332" cy="71332"/>
             </a:xfrm>
             <a:prstGeom prst="ellipse">
@@ -31266,7 +31266,7 @@
           </p:nvSpPr>
           <p:spPr>
             <a:xfrm>
-              <a:off x="5300334" y="1810182"/>
+              <a:off x="5350841" y="1810182"/>
               <a:ext cx="71332" cy="71332"/>
             </a:xfrm>
             <a:prstGeom prst="ellipse">
@@ -31301,7 +31301,7 @@
           </p:nvSpPr>
           <p:spPr>
             <a:xfrm>
-              <a:off x="5293225" y="1768816"/>
+              <a:off x="5190097" y="1768816"/>
               <a:ext cx="71332" cy="71332"/>
             </a:xfrm>
             <a:prstGeom prst="ellipse">
@@ -31336,7 +31336,7 @@
           </p:nvSpPr>
           <p:spPr>
             <a:xfrm>
-              <a:off x="5148497" y="1768816"/>
+              <a:off x="5183122" y="1768816"/>
               <a:ext cx="71332" cy="71332"/>
             </a:xfrm>
             <a:prstGeom prst="ellipse">
@@ -31371,7 +31371,7 @@
           </p:nvSpPr>
           <p:spPr>
             <a:xfrm>
-              <a:off x="5174276" y="1479249"/>
+              <a:off x="5324946" y="1479249"/>
               <a:ext cx="71332" cy="71332"/>
             </a:xfrm>
             <a:prstGeom prst="ellipse">
@@ -31406,7 +31406,7 @@
           </p:nvSpPr>
           <p:spPr>
             <a:xfrm>
-              <a:off x="5225827" y="1686082"/>
+              <a:off x="5284340" y="1686082"/>
               <a:ext cx="71332" cy="71332"/>
             </a:xfrm>
             <a:prstGeom prst="ellipse">
@@ -31441,7 +31441,7 @@
           </p:nvSpPr>
           <p:spPr>
             <a:xfrm>
-              <a:off x="5340190" y="1727449"/>
+              <a:off x="5213750" y="1727449"/>
               <a:ext cx="71332" cy="71332"/>
             </a:xfrm>
             <a:prstGeom prst="ellipse">
@@ -31476,7 +31476,7 @@
           </p:nvSpPr>
           <p:spPr>
             <a:xfrm>
-              <a:off x="5321535" y="1644715"/>
+              <a:off x="5327859" y="1644715"/>
               <a:ext cx="71332" cy="71332"/>
             </a:xfrm>
             <a:prstGeom prst="ellipse">
@@ -31511,7 +31511,7 @@
           </p:nvSpPr>
           <p:spPr>
             <a:xfrm>
-              <a:off x="5157536" y="1686082"/>
+              <a:off x="5245009" y="1686082"/>
               <a:ext cx="71332" cy="71332"/>
             </a:xfrm>
             <a:prstGeom prst="ellipse">
@@ -31546,7 +31546,7 @@
           </p:nvSpPr>
           <p:spPr>
             <a:xfrm>
-              <a:off x="5148393" y="1520615"/>
+              <a:off x="5266396" y="1520615"/>
               <a:ext cx="71332" cy="71332"/>
             </a:xfrm>
             <a:prstGeom prst="ellipse">
@@ -31581,7 +31581,7 @@
           </p:nvSpPr>
           <p:spPr>
             <a:xfrm>
-              <a:off x="5245837" y="1561982"/>
+              <a:off x="5324969" y="1561982"/>
               <a:ext cx="71332" cy="71332"/>
             </a:xfrm>
             <a:prstGeom prst="ellipse">
@@ -31616,7 +31616,7 @@
           </p:nvSpPr>
           <p:spPr>
             <a:xfrm>
-              <a:off x="5214872" y="1768816"/>
+              <a:off x="5302077" y="1768816"/>
               <a:ext cx="71332" cy="71332"/>
             </a:xfrm>
             <a:prstGeom prst="ellipse">
@@ -31651,7 +31651,7 @@
           </p:nvSpPr>
           <p:spPr>
             <a:xfrm>
-              <a:off x="5162824" y="1603349"/>
+              <a:off x="5148769" y="1603349"/>
               <a:ext cx="71332" cy="71332"/>
             </a:xfrm>
             <a:prstGeom prst="ellipse">
@@ -31686,7 +31686,7 @@
           </p:nvSpPr>
           <p:spPr>
             <a:xfrm>
-              <a:off x="5305191" y="1561982"/>
+              <a:off x="5201369" y="1561982"/>
               <a:ext cx="71332" cy="71332"/>
             </a:xfrm>
             <a:prstGeom prst="ellipse">
@@ -31721,7 +31721,7 @@
           </p:nvSpPr>
           <p:spPr>
             <a:xfrm>
-              <a:off x="5202413" y="1892916"/>
+              <a:off x="5178466" y="1892916"/>
               <a:ext cx="71332" cy="71332"/>
             </a:xfrm>
             <a:prstGeom prst="ellipse">
@@ -31756,7 +31756,7 @@
           </p:nvSpPr>
           <p:spPr>
             <a:xfrm>
-              <a:off x="5327931" y="1561982"/>
+              <a:off x="5314958" y="1561982"/>
               <a:ext cx="71332" cy="71332"/>
             </a:xfrm>
             <a:prstGeom prst="ellipse">
@@ -31791,7 +31791,7 @@
           </p:nvSpPr>
           <p:spPr>
             <a:xfrm>
-              <a:off x="5253553" y="1686082"/>
+              <a:off x="5159859" y="1686082"/>
               <a:ext cx="71332" cy="71332"/>
             </a:xfrm>
             <a:prstGeom prst="ellipse">
@@ -31826,7 +31826,7 @@
           </p:nvSpPr>
           <p:spPr>
             <a:xfrm>
-              <a:off x="5337604" y="1686082"/>
+              <a:off x="5152585" y="1686082"/>
               <a:ext cx="71332" cy="71332"/>
             </a:xfrm>
             <a:prstGeom prst="ellipse">
@@ -31861,7 +31861,7 @@
           </p:nvSpPr>
           <p:spPr>
             <a:xfrm>
-              <a:off x="5166005" y="1768816"/>
+              <a:off x="5235259" y="1768816"/>
               <a:ext cx="71332" cy="71332"/>
             </a:xfrm>
             <a:prstGeom prst="ellipse">
@@ -31896,7 +31896,7 @@
           </p:nvSpPr>
           <p:spPr>
             <a:xfrm>
-              <a:off x="5171420" y="1644715"/>
+              <a:off x="5255848" y="1644715"/>
               <a:ext cx="71332" cy="71332"/>
             </a:xfrm>
             <a:prstGeom prst="ellipse">
@@ -31931,7 +31931,7 @@
           </p:nvSpPr>
           <p:spPr>
             <a:xfrm>
-              <a:off x="5165405" y="1768816"/>
+              <a:off x="5327171" y="1768816"/>
               <a:ext cx="71332" cy="71332"/>
             </a:xfrm>
             <a:prstGeom prst="ellipse">
@@ -31966,7 +31966,7 @@
           </p:nvSpPr>
           <p:spPr>
             <a:xfrm>
-              <a:off x="5148188" y="1768816"/>
+              <a:off x="5208795" y="1768816"/>
               <a:ext cx="71332" cy="71332"/>
             </a:xfrm>
             <a:prstGeom prst="ellipse">
@@ -32001,7 +32001,7 @@
           </p:nvSpPr>
           <p:spPr>
             <a:xfrm>
-              <a:off x="5181698" y="1768816"/>
+              <a:off x="5270623" y="1768816"/>
               <a:ext cx="71332" cy="71332"/>
             </a:xfrm>
             <a:prstGeom prst="ellipse">
@@ -32036,7 +32036,7 @@
           </p:nvSpPr>
           <p:spPr>
             <a:xfrm>
-              <a:off x="5166049" y="1644715"/>
+              <a:off x="5165356" y="1644715"/>
               <a:ext cx="71332" cy="71332"/>
             </a:xfrm>
             <a:prstGeom prst="ellipse">
@@ -32071,7 +32071,7 @@
           </p:nvSpPr>
           <p:spPr>
             <a:xfrm>
-              <a:off x="5286223" y="1851549"/>
+              <a:off x="5327827" y="1851549"/>
               <a:ext cx="71332" cy="71332"/>
             </a:xfrm>
             <a:prstGeom prst="ellipse">
@@ -32106,7 +32106,7 @@
           </p:nvSpPr>
           <p:spPr>
             <a:xfrm>
-              <a:off x="5171608" y="1727449"/>
+              <a:off x="5255706" y="1727449"/>
               <a:ext cx="71332" cy="71332"/>
             </a:xfrm>
             <a:prstGeom prst="ellipse">
@@ -32141,7 +32141,7 @@
           </p:nvSpPr>
           <p:spPr>
             <a:xfrm>
-              <a:off x="5184849" y="1686082"/>
+              <a:off x="5324792" y="1686082"/>
               <a:ext cx="71332" cy="71332"/>
             </a:xfrm>
             <a:prstGeom prst="ellipse">
@@ -32176,7 +32176,7 @@
           </p:nvSpPr>
           <p:spPr>
             <a:xfrm>
-              <a:off x="5156117" y="1603349"/>
+              <a:off x="5170915" y="1603349"/>
               <a:ext cx="71332" cy="71332"/>
             </a:xfrm>
             <a:prstGeom prst="ellipse">
@@ -32211,7 +32211,7 @@
           </p:nvSpPr>
           <p:spPr>
             <a:xfrm>
-              <a:off x="5282671" y="1892916"/>
+              <a:off x="5170470" y="1892916"/>
               <a:ext cx="71332" cy="71332"/>
             </a:xfrm>
             <a:prstGeom prst="ellipse">
@@ -32246,7 +32246,7 @@
           </p:nvSpPr>
           <p:spPr>
             <a:xfrm>
-              <a:off x="5222234" y="1934283"/>
+              <a:off x="5222425" y="1934283"/>
               <a:ext cx="71332" cy="71332"/>
             </a:xfrm>
             <a:prstGeom prst="ellipse">
@@ -32281,7 +32281,7 @@
           </p:nvSpPr>
           <p:spPr>
             <a:xfrm>
-              <a:off x="5177985" y="1561982"/>
+              <a:off x="5276314" y="1561982"/>
               <a:ext cx="71332" cy="71332"/>
             </a:xfrm>
             <a:prstGeom prst="ellipse">
@@ -32316,7 +32316,7 @@
           </p:nvSpPr>
           <p:spPr>
             <a:xfrm>
-              <a:off x="5343686" y="1520615"/>
+              <a:off x="5150202" y="1520615"/>
               <a:ext cx="71332" cy="71332"/>
             </a:xfrm>
             <a:prstGeom prst="ellipse">
@@ -32351,7 +32351,7 @@
           </p:nvSpPr>
           <p:spPr>
             <a:xfrm>
-              <a:off x="5259886" y="1768816"/>
+              <a:off x="5275782" y="1768816"/>
               <a:ext cx="71332" cy="71332"/>
             </a:xfrm>
             <a:prstGeom prst="ellipse">
@@ -32386,7 +32386,7 @@
           </p:nvSpPr>
           <p:spPr>
             <a:xfrm>
-              <a:off x="5337918" y="1768816"/>
+              <a:off x="5233597" y="1768816"/>
               <a:ext cx="71332" cy="71332"/>
             </a:xfrm>
             <a:prstGeom prst="ellipse">
@@ -32421,7 +32421,7 @@
           </p:nvSpPr>
           <p:spPr>
             <a:xfrm>
-              <a:off x="5299038" y="1644715"/>
+              <a:off x="5192774" y="1644715"/>
               <a:ext cx="71332" cy="71332"/>
             </a:xfrm>
             <a:prstGeom prst="ellipse">
@@ -32456,7 +32456,7 @@
           </p:nvSpPr>
           <p:spPr>
             <a:xfrm>
-              <a:off x="5271821" y="1520615"/>
+              <a:off x="5275723" y="1520615"/>
               <a:ext cx="71332" cy="71332"/>
             </a:xfrm>
             <a:prstGeom prst="ellipse">
@@ -32491,7 +32491,7 @@
           </p:nvSpPr>
           <p:spPr>
             <a:xfrm>
-              <a:off x="5172959" y="1561982"/>
+              <a:off x="5224638" y="1561982"/>
               <a:ext cx="71332" cy="71332"/>
             </a:xfrm>
             <a:prstGeom prst="ellipse">
@@ -32526,7 +32526,7 @@
           </p:nvSpPr>
           <p:spPr>
             <a:xfrm>
-              <a:off x="5347093" y="1727449"/>
+              <a:off x="5186205" y="1727449"/>
               <a:ext cx="71332" cy="71332"/>
             </a:xfrm>
             <a:prstGeom prst="ellipse">
@@ -32561,7 +32561,7 @@
           </p:nvSpPr>
           <p:spPr>
             <a:xfrm>
-              <a:off x="5329694" y="1561982"/>
+              <a:off x="5221639" y="1561982"/>
               <a:ext cx="71332" cy="71332"/>
             </a:xfrm>
             <a:prstGeom prst="ellipse">
@@ -32596,7 +32596,7 @@
           </p:nvSpPr>
           <p:spPr>
             <a:xfrm>
-              <a:off x="5331661" y="1479249"/>
+              <a:off x="5167515" y="1479249"/>
               <a:ext cx="71332" cy="71332"/>
             </a:xfrm>
             <a:prstGeom prst="ellipse">
@@ -32631,7 +32631,7 @@
           </p:nvSpPr>
           <p:spPr>
             <a:xfrm>
-              <a:off x="5318961" y="1561982"/>
+              <a:off x="5329412" y="1561982"/>
               <a:ext cx="71332" cy="71332"/>
             </a:xfrm>
             <a:prstGeom prst="ellipse">
@@ -32666,7 +32666,7 @@
           </p:nvSpPr>
           <p:spPr>
             <a:xfrm>
-              <a:off x="5248705" y="1727449"/>
+              <a:off x="5340460" y="1727449"/>
               <a:ext cx="71332" cy="71332"/>
             </a:xfrm>
             <a:prstGeom prst="ellipse">
@@ -32701,7 +32701,7 @@
           </p:nvSpPr>
           <p:spPr>
             <a:xfrm>
-              <a:off x="5162428" y="1686082"/>
+              <a:off x="5148167" y="1686082"/>
               <a:ext cx="71332" cy="71332"/>
             </a:xfrm>
             <a:prstGeom prst="ellipse">
@@ -32736,7 +32736,7 @@
           </p:nvSpPr>
           <p:spPr>
             <a:xfrm>
-              <a:off x="5231953" y="1561982"/>
+              <a:off x="5177168" y="1561982"/>
               <a:ext cx="71332" cy="71332"/>
             </a:xfrm>
             <a:prstGeom prst="ellipse">
@@ -32771,7 +32771,7 @@
           </p:nvSpPr>
           <p:spPr>
             <a:xfrm>
-              <a:off x="5151323" y="1768816"/>
+              <a:off x="5260569" y="1768816"/>
               <a:ext cx="71332" cy="71332"/>
             </a:xfrm>
             <a:prstGeom prst="ellipse">
@@ -32806,7 +32806,38 @@
           </p:nvSpPr>
           <p:spPr>
             <a:xfrm>
-              <a:off x="3922075" y="2210267"/>
+              <a:off x="3922074" y="2210269"/>
+              <a:ext cx="0" cy="161290"/>
+            </a:xfrm>
+            <a:custGeom>
+              <a:avLst/>
+              <a:pathLst>
+                <a:path w="0" h="161290">
+                  <a:moveTo>
+                    <a:pt x="0" y="0"/>
+                  </a:moveTo>
+                  <a:lnTo>
+                    <a:pt x="0" y="161290"/>
+                  </a:lnTo>
+                </a:path>
+              </a:pathLst>
+            </a:custGeom>
+          </p:spPr>
+          <p:txBody>
+            <a:bodyPr/>
+            <a:lstStyle/>
+            <a:p/>
+          </p:txBody>
+        </p:sp>
+        <p:sp>
+          <p:nvSpPr>
+            <p:cNvPr id="531" name="pl530"/>
+            <p:cNvSpPr/>
+            <p:nvPr/>
+          </p:nvSpPr>
+          <p:spPr>
+            <a:xfrm>
+              <a:off x="4603671" y="1631133"/>
               <a:ext cx="1" cy="161292"/>
             </a:xfrm>
             <a:custGeom>
@@ -32831,37 +32862,6 @@
         </p:sp>
         <p:sp>
           <p:nvSpPr>
-            <p:cNvPr id="531" name="pl530"/>
-            <p:cNvSpPr/>
-            <p:nvPr/>
-          </p:nvSpPr>
-          <p:spPr>
-            <a:xfrm>
-              <a:off x="4603670" y="1631135"/>
-              <a:ext cx="1" cy="161290"/>
-            </a:xfrm>
-            <a:custGeom>
-              <a:avLst/>
-              <a:pathLst>
-                <a:path w="1" h="161290">
-                  <a:moveTo>
-                    <a:pt x="0" y="0"/>
-                  </a:moveTo>
-                  <a:lnTo>
-                    <a:pt x="1" y="161290"/>
-                  </a:lnTo>
-                </a:path>
-              </a:pathLst>
-            </a:custGeom>
-          </p:spPr>
-          <p:txBody>
-            <a:bodyPr/>
-            <a:lstStyle/>
-            <a:p/>
-          </p:txBody>
-        </p:sp>
-        <p:sp>
-          <p:nvSpPr>
             <p:cNvPr id="532" name="pl531"/>
             <p:cNvSpPr/>
             <p:nvPr/>
@@ -32899,7 +32899,7 @@
           </p:nvSpPr>
           <p:spPr>
             <a:xfrm>
-              <a:off x="3881849" y="2112018"/>
+              <a:off x="3881847" y="2112019"/>
               <a:ext cx="80453" cy="75389"/>
             </a:xfrm>
             <a:prstGeom prst="rect">
@@ -32945,7 +32945,7 @@
           </p:nvSpPr>
           <p:spPr>
             <a:xfrm>
-              <a:off x="4562001" y="1506666"/>
+              <a:off x="4562003" y="1506664"/>
               <a:ext cx="83338" cy="101609"/>
             </a:xfrm>
             <a:prstGeom prst="rect">
@@ -32991,7 +32991,7 @@
           </p:nvSpPr>
           <p:spPr>
             <a:xfrm>
-              <a:off x="5249177" y="1275050"/>
+              <a:off x="5249176" y="1275050"/>
               <a:ext cx="72184" cy="75389"/>
             </a:xfrm>
             <a:prstGeom prst="rect">
@@ -33960,7 +33960,7 @@
           </p:nvSpPr>
           <p:spPr>
             <a:xfrm>
-              <a:off x="3972028" y="3486789"/>
+              <a:off x="3930892" y="3486789"/>
               <a:ext cx="71332" cy="71332"/>
             </a:xfrm>
             <a:prstGeom prst="ellipse">
@@ -33995,7 +33995,7 @@
           </p:nvSpPr>
           <p:spPr>
             <a:xfrm>
-              <a:off x="3930641" y="3708449"/>
+              <a:off x="3958401" y="3708449"/>
               <a:ext cx="71332" cy="71332"/>
             </a:xfrm>
             <a:prstGeom prst="ellipse">
@@ -34030,7 +34030,7 @@
           </p:nvSpPr>
           <p:spPr>
             <a:xfrm>
-              <a:off x="3923117" y="3619785"/>
+              <a:off x="3844245" y="3619785"/>
               <a:ext cx="71332" cy="71332"/>
             </a:xfrm>
             <a:prstGeom prst="ellipse">
@@ -34065,7 +34065,7 @@
           </p:nvSpPr>
           <p:spPr>
             <a:xfrm>
-              <a:off x="3931123" y="3664117"/>
+              <a:off x="3869276" y="3664117"/>
               <a:ext cx="71332" cy="71332"/>
             </a:xfrm>
             <a:prstGeom prst="ellipse">
@@ -34100,7 +34100,7 @@
           </p:nvSpPr>
           <p:spPr>
             <a:xfrm>
-              <a:off x="3939415" y="3442457"/>
+              <a:off x="3822819" y="3442457"/>
               <a:ext cx="71332" cy="71332"/>
             </a:xfrm>
             <a:prstGeom prst="ellipse">
@@ -34135,7 +34135,7 @@
           </p:nvSpPr>
           <p:spPr>
             <a:xfrm>
-              <a:off x="3839148" y="3309461"/>
+              <a:off x="3803603" y="3309461"/>
               <a:ext cx="71332" cy="71332"/>
             </a:xfrm>
             <a:prstGeom prst="ellipse">
@@ -34170,7 +34170,7 @@
           </p:nvSpPr>
           <p:spPr>
             <a:xfrm>
-              <a:off x="3892250" y="3531121"/>
+              <a:off x="3869698" y="3531121"/>
               <a:ext cx="71332" cy="71332"/>
             </a:xfrm>
             <a:prstGeom prst="ellipse">
@@ -34205,7 +34205,7 @@
           </p:nvSpPr>
           <p:spPr>
             <a:xfrm>
-              <a:off x="3934886" y="3531121"/>
+              <a:off x="3859056" y="3531121"/>
               <a:ext cx="71332" cy="71332"/>
             </a:xfrm>
             <a:prstGeom prst="ellipse">
@@ -34240,7 +34240,7 @@
           </p:nvSpPr>
           <p:spPr>
             <a:xfrm>
-              <a:off x="3856176" y="3752781"/>
+              <a:off x="3866342" y="3752781"/>
               <a:ext cx="71332" cy="71332"/>
             </a:xfrm>
             <a:prstGeom prst="ellipse">
@@ -34275,7 +34275,7 @@
           </p:nvSpPr>
           <p:spPr>
             <a:xfrm>
-              <a:off x="3884822" y="3664117"/>
+              <a:off x="3845850" y="3664117"/>
               <a:ext cx="71332" cy="71332"/>
             </a:xfrm>
             <a:prstGeom prst="ellipse">
@@ -34310,7 +34310,7 @@
           </p:nvSpPr>
           <p:spPr>
             <a:xfrm>
-              <a:off x="3843592" y="3398125"/>
+              <a:off x="3940690" y="3398125"/>
               <a:ext cx="71332" cy="71332"/>
             </a:xfrm>
             <a:prstGeom prst="ellipse">
@@ -34345,7 +34345,7 @@
           </p:nvSpPr>
           <p:spPr>
             <a:xfrm>
-              <a:off x="3836876" y="3531121"/>
+              <a:off x="3955121" y="3531121"/>
               <a:ext cx="71332" cy="71332"/>
             </a:xfrm>
             <a:prstGeom prst="ellipse">
@@ -34380,7 +34380,7 @@
           </p:nvSpPr>
           <p:spPr>
             <a:xfrm>
-              <a:off x="3826364" y="3708449"/>
+              <a:off x="3822109" y="3708449"/>
               <a:ext cx="71332" cy="71332"/>
             </a:xfrm>
             <a:prstGeom prst="ellipse">
@@ -34415,7 +34415,7 @@
           </p:nvSpPr>
           <p:spPr>
             <a:xfrm>
-              <a:off x="3934220" y="3708449"/>
+              <a:off x="3986968" y="3708449"/>
               <a:ext cx="71332" cy="71332"/>
             </a:xfrm>
             <a:prstGeom prst="ellipse">
@@ -34450,7 +34450,7 @@
           </p:nvSpPr>
           <p:spPr>
             <a:xfrm>
-              <a:off x="3820916" y="3265128"/>
+              <a:off x="3957622" y="3265128"/>
               <a:ext cx="71332" cy="71332"/>
             </a:xfrm>
             <a:prstGeom prst="ellipse">
@@ -34485,7 +34485,7 @@
           </p:nvSpPr>
           <p:spPr>
             <a:xfrm>
-              <a:off x="3811552" y="3087800"/>
+              <a:off x="3788486" y="3087800"/>
               <a:ext cx="71332" cy="71332"/>
             </a:xfrm>
             <a:prstGeom prst="ellipse">
@@ -34520,7 +34520,7 @@
           </p:nvSpPr>
           <p:spPr>
             <a:xfrm>
-              <a:off x="3929658" y="3309461"/>
+              <a:off x="3908569" y="3309461"/>
               <a:ext cx="71332" cy="71332"/>
             </a:xfrm>
             <a:prstGeom prst="ellipse">
@@ -34555,7 +34555,7 @@
           </p:nvSpPr>
           <p:spPr>
             <a:xfrm>
-              <a:off x="3848080" y="3486789"/>
+              <a:off x="3857578" y="3486789"/>
               <a:ext cx="71332" cy="71332"/>
             </a:xfrm>
             <a:prstGeom prst="ellipse">
@@ -34590,7 +34590,7 @@
           </p:nvSpPr>
           <p:spPr>
             <a:xfrm>
-              <a:off x="3813654" y="3353793"/>
+              <a:off x="3816518" y="3353793"/>
               <a:ext cx="71332" cy="71332"/>
             </a:xfrm>
             <a:prstGeom prst="ellipse">
@@ -34625,7 +34625,7 @@
           </p:nvSpPr>
           <p:spPr>
             <a:xfrm>
-              <a:off x="3977212" y="3353793"/>
+              <a:off x="3840034" y="3353793"/>
               <a:ext cx="71332" cy="71332"/>
             </a:xfrm>
             <a:prstGeom prst="ellipse">
@@ -34660,7 +34660,7 @@
           </p:nvSpPr>
           <p:spPr>
             <a:xfrm>
-              <a:off x="3868285" y="3531121"/>
+              <a:off x="3837336" y="3531121"/>
               <a:ext cx="71332" cy="71332"/>
             </a:xfrm>
             <a:prstGeom prst="ellipse">
@@ -34695,7 +34695,7 @@
           </p:nvSpPr>
           <p:spPr>
             <a:xfrm>
-              <a:off x="3966033" y="3398125"/>
+              <a:off x="3866720" y="3398125"/>
               <a:ext cx="71332" cy="71332"/>
             </a:xfrm>
             <a:prstGeom prst="ellipse">
@@ -34730,7 +34730,7 @@
           </p:nvSpPr>
           <p:spPr>
             <a:xfrm>
-              <a:off x="3973737" y="3442457"/>
+              <a:off x="3789636" y="3442457"/>
               <a:ext cx="71332" cy="71332"/>
             </a:xfrm>
             <a:prstGeom prst="ellipse">
@@ -34765,7 +34765,7 @@
           </p:nvSpPr>
           <p:spPr>
             <a:xfrm>
-              <a:off x="3935829" y="3575453"/>
+              <a:off x="3828942" y="3575453"/>
               <a:ext cx="71332" cy="71332"/>
             </a:xfrm>
             <a:prstGeom prst="ellipse">
@@ -34800,7 +34800,7 @@
           </p:nvSpPr>
           <p:spPr>
             <a:xfrm>
-              <a:off x="3970824" y="3531121"/>
+              <a:off x="3894466" y="3531121"/>
               <a:ext cx="71332" cy="71332"/>
             </a:xfrm>
             <a:prstGeom prst="ellipse">
@@ -34835,7 +34835,7 @@
           </p:nvSpPr>
           <p:spPr>
             <a:xfrm>
-              <a:off x="3851644" y="3708449"/>
+              <a:off x="3987858" y="3708449"/>
               <a:ext cx="71332" cy="71332"/>
             </a:xfrm>
             <a:prstGeom prst="ellipse">
@@ -34870,7 +34870,7 @@
           </p:nvSpPr>
           <p:spPr>
             <a:xfrm>
-              <a:off x="3948800" y="3531121"/>
+              <a:off x="3922130" y="3531121"/>
               <a:ext cx="71332" cy="71332"/>
             </a:xfrm>
             <a:prstGeom prst="ellipse">
@@ -34905,7 +34905,7 @@
           </p:nvSpPr>
           <p:spPr>
             <a:xfrm>
-              <a:off x="3791374" y="3486789"/>
+              <a:off x="3920534" y="3486789"/>
               <a:ext cx="71332" cy="71332"/>
             </a:xfrm>
             <a:prstGeom prst="ellipse">
@@ -34940,7 +34940,7 @@
           </p:nvSpPr>
           <p:spPr>
             <a:xfrm>
-              <a:off x="3925639" y="3531121"/>
+              <a:off x="3814631" y="3531121"/>
               <a:ext cx="71332" cy="71332"/>
             </a:xfrm>
             <a:prstGeom prst="ellipse">
@@ -34975,7 +34975,7 @@
           </p:nvSpPr>
           <p:spPr>
             <a:xfrm>
-              <a:off x="3930772" y="3619785"/>
+              <a:off x="3818284" y="3619785"/>
               <a:ext cx="71332" cy="71332"/>
             </a:xfrm>
             <a:prstGeom prst="ellipse">
@@ -35010,7 +35010,7 @@
           </p:nvSpPr>
           <p:spPr>
             <a:xfrm>
-              <a:off x="3926697" y="3664117"/>
+              <a:off x="3877697" y="3664117"/>
               <a:ext cx="71332" cy="71332"/>
             </a:xfrm>
             <a:prstGeom prst="ellipse">
@@ -35045,7 +35045,7 @@
           </p:nvSpPr>
           <p:spPr>
             <a:xfrm>
-              <a:off x="3879940" y="3531121"/>
+              <a:off x="3837501" y="3531121"/>
               <a:ext cx="71332" cy="71332"/>
             </a:xfrm>
             <a:prstGeom prst="ellipse">
@@ -35080,7 +35080,7 @@
           </p:nvSpPr>
           <p:spPr>
             <a:xfrm>
-              <a:off x="3979934" y="3220796"/>
+              <a:off x="3954911" y="3220796"/>
               <a:ext cx="71332" cy="71332"/>
             </a:xfrm>
             <a:prstGeom prst="ellipse">
@@ -35115,7 +35115,7 @@
           </p:nvSpPr>
           <p:spPr>
             <a:xfrm>
-              <a:off x="3877643" y="3176464"/>
+              <a:off x="3926057" y="3176464"/>
               <a:ext cx="71332" cy="71332"/>
             </a:xfrm>
             <a:prstGeom prst="ellipse">
@@ -35150,7 +35150,7 @@
           </p:nvSpPr>
           <p:spPr>
             <a:xfrm>
-              <a:off x="3861898" y="3664117"/>
+              <a:off x="3902560" y="3664117"/>
               <a:ext cx="71332" cy="71332"/>
             </a:xfrm>
             <a:prstGeom prst="ellipse">
@@ -35185,7 +35185,7 @@
           </p:nvSpPr>
           <p:spPr>
             <a:xfrm>
-              <a:off x="3897053" y="3619785"/>
+              <a:off x="3873644" y="3619785"/>
               <a:ext cx="71332" cy="71332"/>
             </a:xfrm>
             <a:prstGeom prst="ellipse">
@@ -35220,7 +35220,7 @@
           </p:nvSpPr>
           <p:spPr>
             <a:xfrm>
-              <a:off x="3861166" y="3486789"/>
+              <a:off x="3939587" y="3486789"/>
               <a:ext cx="71332" cy="71332"/>
             </a:xfrm>
             <a:prstGeom prst="ellipse">
@@ -35255,7 +35255,7 @@
           </p:nvSpPr>
           <p:spPr>
             <a:xfrm>
-              <a:off x="3859384" y="3442457"/>
+              <a:off x="3896825" y="3442457"/>
               <a:ext cx="71332" cy="71332"/>
             </a:xfrm>
             <a:prstGeom prst="ellipse">
@@ -35290,7 +35290,7 @@
           </p:nvSpPr>
           <p:spPr>
             <a:xfrm>
-              <a:off x="3873395" y="3708449"/>
+              <a:off x="3875709" y="3708449"/>
               <a:ext cx="71332" cy="71332"/>
             </a:xfrm>
             <a:prstGeom prst="ellipse">
@@ -35325,7 +35325,7 @@
           </p:nvSpPr>
           <p:spPr>
             <a:xfrm>
-              <a:off x="3858819" y="3531121"/>
+              <a:off x="3873457" y="3531121"/>
               <a:ext cx="71332" cy="71332"/>
             </a:xfrm>
             <a:prstGeom prst="ellipse">
@@ -35360,7 +35360,7 @@
           </p:nvSpPr>
           <p:spPr>
             <a:xfrm>
-              <a:off x="3921888" y="3486789"/>
+              <a:off x="3905301" y="3486789"/>
               <a:ext cx="71332" cy="71332"/>
             </a:xfrm>
             <a:prstGeom prst="ellipse">
@@ -35395,7 +35395,7 @@
           </p:nvSpPr>
           <p:spPr>
             <a:xfrm>
-              <a:off x="3922081" y="4018774"/>
+              <a:off x="3962842" y="4018774"/>
               <a:ext cx="71332" cy="71332"/>
             </a:xfrm>
             <a:prstGeom prst="ellipse">
@@ -35430,7 +35430,7 @@
           </p:nvSpPr>
           <p:spPr>
             <a:xfrm>
-              <a:off x="3794728" y="3619785"/>
+              <a:off x="3829932" y="3619785"/>
               <a:ext cx="71332" cy="71332"/>
             </a:xfrm>
             <a:prstGeom prst="ellipse">
@@ -35465,7 +35465,7 @@
           </p:nvSpPr>
           <p:spPr>
             <a:xfrm>
-              <a:off x="3979825" y="3486789"/>
+              <a:off x="3933037" y="3486789"/>
               <a:ext cx="71332" cy="71332"/>
             </a:xfrm>
             <a:prstGeom prst="ellipse">
@@ -35500,7 +35500,7 @@
           </p:nvSpPr>
           <p:spPr>
             <a:xfrm>
-              <a:off x="3935043" y="3353793"/>
+              <a:off x="3981436" y="3353793"/>
               <a:ext cx="71332" cy="71332"/>
             </a:xfrm>
             <a:prstGeom prst="ellipse">
@@ -35535,7 +35535,7 @@
           </p:nvSpPr>
           <p:spPr>
             <a:xfrm>
-              <a:off x="3785819" y="3708449"/>
+              <a:off x="3799499" y="3708449"/>
               <a:ext cx="71332" cy="71332"/>
             </a:xfrm>
             <a:prstGeom prst="ellipse">
@@ -35570,7 +35570,7 @@
           </p:nvSpPr>
           <p:spPr>
             <a:xfrm>
-              <a:off x="3916886" y="3353793"/>
+              <a:off x="3920025" y="3353793"/>
               <a:ext cx="71332" cy="71332"/>
             </a:xfrm>
             <a:prstGeom prst="ellipse">
@@ -35605,7 +35605,7 @@
           </p:nvSpPr>
           <p:spPr>
             <a:xfrm>
-              <a:off x="3832870" y="3619785"/>
+              <a:off x="3950195" y="3619785"/>
               <a:ext cx="71332" cy="71332"/>
             </a:xfrm>
             <a:prstGeom prst="ellipse">
@@ -35640,7 +35640,7 @@
           </p:nvSpPr>
           <p:spPr>
             <a:xfrm>
-              <a:off x="3963849" y="3398125"/>
+              <a:off x="3913955" y="3398125"/>
               <a:ext cx="71332" cy="71332"/>
             </a:xfrm>
             <a:prstGeom prst="ellipse">
@@ -35675,7 +35675,7 @@
           </p:nvSpPr>
           <p:spPr>
             <a:xfrm>
-              <a:off x="3987758" y="3575453"/>
+              <a:off x="3838143" y="3575453"/>
               <a:ext cx="71332" cy="71332"/>
             </a:xfrm>
             <a:prstGeom prst="ellipse">
@@ -35710,7 +35710,7 @@
           </p:nvSpPr>
           <p:spPr>
             <a:xfrm>
-              <a:off x="4608137" y="3619785"/>
+              <a:off x="4491272" y="3619785"/>
               <a:ext cx="71332" cy="71332"/>
             </a:xfrm>
             <a:prstGeom prst="ellipse">
@@ -35745,7 +35745,7 @@
           </p:nvSpPr>
           <p:spPr>
             <a:xfrm>
-              <a:off x="4655785" y="3619785"/>
+              <a:off x="4657051" y="3619785"/>
               <a:ext cx="71332" cy="71332"/>
             </a:xfrm>
             <a:prstGeom prst="ellipse">
@@ -35780,7 +35780,7 @@
           </p:nvSpPr>
           <p:spPr>
             <a:xfrm>
-              <a:off x="4659547" y="3664117"/>
+              <a:off x="4523601" y="3664117"/>
               <a:ext cx="71332" cy="71332"/>
             </a:xfrm>
             <a:prstGeom prst="ellipse">
@@ -35815,7 +35815,7 @@
           </p:nvSpPr>
           <p:spPr>
             <a:xfrm>
-              <a:off x="4657722" y="4018774"/>
+              <a:off x="4571967" y="4018774"/>
               <a:ext cx="71332" cy="71332"/>
             </a:xfrm>
             <a:prstGeom prst="ellipse">
@@ -35850,7 +35850,7 @@
           </p:nvSpPr>
           <p:spPr>
             <a:xfrm>
-              <a:off x="4481372" y="3797113"/>
+              <a:off x="4598719" y="3797113"/>
               <a:ext cx="71332" cy="71332"/>
             </a:xfrm>
             <a:prstGeom prst="ellipse">
@@ -35885,7 +35885,7 @@
           </p:nvSpPr>
           <p:spPr>
             <a:xfrm>
-              <a:off x="4488174" y="3797113"/>
+              <a:off x="4526069" y="3797113"/>
               <a:ext cx="71332" cy="71332"/>
             </a:xfrm>
             <a:prstGeom prst="ellipse">
@@ -35920,7 +35920,7 @@
           </p:nvSpPr>
           <p:spPr>
             <a:xfrm>
-              <a:off x="4510506" y="3575453"/>
+              <a:off x="4636380" y="3575453"/>
               <a:ext cx="71332" cy="71332"/>
             </a:xfrm>
             <a:prstGeom prst="ellipse">
@@ -35955,7 +35955,7 @@
           </p:nvSpPr>
           <p:spPr>
             <a:xfrm>
-              <a:off x="4547388" y="3974442"/>
+              <a:off x="4601289" y="3974442"/>
               <a:ext cx="71332" cy="71332"/>
             </a:xfrm>
             <a:prstGeom prst="ellipse">
@@ -35990,7 +35990,7 @@
           </p:nvSpPr>
           <p:spPr>
             <a:xfrm>
-              <a:off x="4644839" y="3752781"/>
+              <a:off x="4502003" y="3752781"/>
               <a:ext cx="71332" cy="71332"/>
             </a:xfrm>
             <a:prstGeom prst="ellipse">
@@ -36025,7 +36025,7 @@
           </p:nvSpPr>
           <p:spPr>
             <a:xfrm>
-              <a:off x="4640112" y="3841446"/>
+              <a:off x="4669544" y="3841446"/>
               <a:ext cx="71332" cy="71332"/>
             </a:xfrm>
             <a:prstGeom prst="ellipse">
@@ -36060,7 +36060,7 @@
           </p:nvSpPr>
           <p:spPr>
             <a:xfrm>
-              <a:off x="4633927" y="4151770"/>
+              <a:off x="4570080" y="4151770"/>
               <a:ext cx="71332" cy="71332"/>
             </a:xfrm>
             <a:prstGeom prst="ellipse">
@@ -36095,7 +36095,7 @@
           </p:nvSpPr>
           <p:spPr>
             <a:xfrm>
-              <a:off x="4630498" y="3708449"/>
+              <a:off x="4520472" y="3708449"/>
               <a:ext cx="71332" cy="71332"/>
             </a:xfrm>
             <a:prstGeom prst="ellipse">
@@ -36130,7 +36130,7 @@
           </p:nvSpPr>
           <p:spPr>
             <a:xfrm>
-              <a:off x="4477582" y="4063106"/>
+              <a:off x="4595333" y="4063106"/>
               <a:ext cx="71332" cy="71332"/>
             </a:xfrm>
             <a:prstGeom prst="ellipse">
@@ -36165,7 +36165,7 @@
           </p:nvSpPr>
           <p:spPr>
             <a:xfrm>
-              <a:off x="4608982" y="3752781"/>
+              <a:off x="4617599" y="3752781"/>
               <a:ext cx="71332" cy="71332"/>
             </a:xfrm>
             <a:prstGeom prst="ellipse">
@@ -36200,7 +36200,7 @@
           </p:nvSpPr>
           <p:spPr>
             <a:xfrm>
-              <a:off x="4571999" y="3752781"/>
+              <a:off x="4594436" y="3752781"/>
               <a:ext cx="71332" cy="71332"/>
             </a:xfrm>
             <a:prstGeom prst="ellipse">
@@ -36235,7 +36235,7 @@
           </p:nvSpPr>
           <p:spPr>
             <a:xfrm>
-              <a:off x="4512431" y="3664117"/>
+              <a:off x="4662322" y="3664117"/>
               <a:ext cx="71332" cy="71332"/>
             </a:xfrm>
             <a:prstGeom prst="ellipse">
@@ -36270,7 +36270,7 @@
           </p:nvSpPr>
           <p:spPr>
             <a:xfrm>
-              <a:off x="4542153" y="3708449"/>
+              <a:off x="4614325" y="3708449"/>
               <a:ext cx="71332" cy="71332"/>
             </a:xfrm>
             <a:prstGeom prst="ellipse">
@@ -36305,7 +36305,7 @@
           </p:nvSpPr>
           <p:spPr>
             <a:xfrm>
-              <a:off x="4485334" y="3841446"/>
+              <a:off x="4486159" y="3841446"/>
               <a:ext cx="71332" cy="71332"/>
             </a:xfrm>
             <a:prstGeom prst="ellipse">
@@ -36340,7 +36340,7 @@
           </p:nvSpPr>
           <p:spPr>
             <a:xfrm>
-              <a:off x="4494700" y="4063106"/>
+              <a:off x="4585838" y="4063106"/>
               <a:ext cx="71332" cy="71332"/>
             </a:xfrm>
             <a:prstGeom prst="ellipse">
@@ -36375,7 +36375,7 @@
           </p:nvSpPr>
           <p:spPr>
             <a:xfrm>
-              <a:off x="4629764" y="3930110"/>
+              <a:off x="4597178" y="3930110"/>
               <a:ext cx="71332" cy="71332"/>
             </a:xfrm>
             <a:prstGeom prst="ellipse">
@@ -36410,7 +36410,7 @@
           </p:nvSpPr>
           <p:spPr>
             <a:xfrm>
-              <a:off x="4640305" y="3619785"/>
+              <a:off x="4528233" y="3619785"/>
               <a:ext cx="71332" cy="71332"/>
             </a:xfrm>
             <a:prstGeom prst="ellipse">
@@ -36445,7 +36445,7 @@
           </p:nvSpPr>
           <p:spPr>
             <a:xfrm>
-              <a:off x="4628606" y="3797113"/>
+              <a:off x="4627403" y="3797113"/>
               <a:ext cx="71332" cy="71332"/>
             </a:xfrm>
             <a:prstGeom prst="ellipse">
@@ -36480,7 +36480,7 @@
           </p:nvSpPr>
           <p:spPr>
             <a:xfrm>
-              <a:off x="4502079" y="3930110"/>
+              <a:off x="4513728" y="3930110"/>
               <a:ext cx="71332" cy="71332"/>
             </a:xfrm>
             <a:prstGeom prst="ellipse">
@@ -36515,7 +36515,7 @@
           </p:nvSpPr>
           <p:spPr>
             <a:xfrm>
-              <a:off x="4587028" y="3797113"/>
+              <a:off x="4528429" y="3797113"/>
               <a:ext cx="71332" cy="71332"/>
             </a:xfrm>
             <a:prstGeom prst="ellipse">
@@ -36550,7 +36550,7 @@
           </p:nvSpPr>
           <p:spPr>
             <a:xfrm>
-              <a:off x="4572759" y="3752781"/>
+              <a:off x="4628369" y="3752781"/>
               <a:ext cx="71332" cy="71332"/>
             </a:xfrm>
             <a:prstGeom prst="ellipse">
@@ -36585,7 +36585,7 @@
           </p:nvSpPr>
           <p:spPr>
             <a:xfrm>
-              <a:off x="4567334" y="3708449"/>
+              <a:off x="4613673" y="3708449"/>
               <a:ext cx="71332" cy="71332"/>
             </a:xfrm>
             <a:prstGeom prst="ellipse">
@@ -36620,7 +36620,7 @@
           </p:nvSpPr>
           <p:spPr>
             <a:xfrm>
-              <a:off x="4649619" y="3797113"/>
+              <a:off x="4564086" y="3797113"/>
               <a:ext cx="71332" cy="71332"/>
             </a:xfrm>
             <a:prstGeom prst="ellipse">
@@ -36655,7 +36655,7 @@
           </p:nvSpPr>
           <p:spPr>
             <a:xfrm>
-              <a:off x="4484382" y="3708449"/>
+              <a:off x="4468363" y="3708449"/>
               <a:ext cx="71332" cy="71332"/>
             </a:xfrm>
             <a:prstGeom prst="ellipse">
@@ -36690,7 +36690,7 @@
           </p:nvSpPr>
           <p:spPr>
             <a:xfrm>
-              <a:off x="4627229" y="3752781"/>
+              <a:off x="4603419" y="3752781"/>
               <a:ext cx="71332" cy="71332"/>
             </a:xfrm>
             <a:prstGeom prst="ellipse">
@@ -36725,7 +36725,7 @@
           </p:nvSpPr>
           <p:spPr>
             <a:xfrm>
-              <a:off x="4590158" y="3885778"/>
+              <a:off x="4539786" y="3885778"/>
               <a:ext cx="71332" cy="71332"/>
             </a:xfrm>
             <a:prstGeom prst="ellipse">
@@ -36760,7 +36760,7 @@
           </p:nvSpPr>
           <p:spPr>
             <a:xfrm>
-              <a:off x="4638853" y="3974442"/>
+              <a:off x="4499247" y="3974442"/>
               <a:ext cx="71332" cy="71332"/>
             </a:xfrm>
             <a:prstGeom prst="ellipse">
@@ -36795,7 +36795,7 @@
           </p:nvSpPr>
           <p:spPr>
             <a:xfrm>
-              <a:off x="4627715" y="3974442"/>
+              <a:off x="4649303" y="3974442"/>
               <a:ext cx="71332" cy="71332"/>
             </a:xfrm>
             <a:prstGeom prst="ellipse">
@@ -36830,7 +36830,7 @@
           </p:nvSpPr>
           <p:spPr>
             <a:xfrm>
-              <a:off x="4561508" y="3841446"/>
+              <a:off x="4632658" y="3841446"/>
               <a:ext cx="71332" cy="71332"/>
             </a:xfrm>
             <a:prstGeom prst="ellipse">
@@ -36865,7 +36865,7 @@
           </p:nvSpPr>
           <p:spPr>
             <a:xfrm>
-              <a:off x="4624014" y="3841446"/>
+              <a:off x="4466624" y="3841446"/>
               <a:ext cx="71332" cy="71332"/>
             </a:xfrm>
             <a:prstGeom prst="ellipse">
@@ -36900,7 +36900,7 @@
           </p:nvSpPr>
           <p:spPr>
             <a:xfrm>
-              <a:off x="4510119" y="3708449"/>
+              <a:off x="4519255" y="3708449"/>
               <a:ext cx="71332" cy="71332"/>
             </a:xfrm>
             <a:prstGeom prst="ellipse">
@@ -36935,7 +36935,7 @@
           </p:nvSpPr>
           <p:spPr>
             <a:xfrm>
-              <a:off x="4591829" y="3531121"/>
+              <a:off x="4559790" y="3531121"/>
               <a:ext cx="71332" cy="71332"/>
             </a:xfrm>
             <a:prstGeom prst="ellipse">
@@ -36970,7 +36970,7 @@
           </p:nvSpPr>
           <p:spPr>
             <a:xfrm>
-              <a:off x="4660494" y="3664117"/>
+              <a:off x="4603671" y="3664117"/>
               <a:ext cx="71332" cy="71332"/>
             </a:xfrm>
             <a:prstGeom prst="ellipse">
@@ -37005,7 +37005,7 @@
           </p:nvSpPr>
           <p:spPr>
             <a:xfrm>
-              <a:off x="4571628" y="4018774"/>
+              <a:off x="4638437" y="4018774"/>
               <a:ext cx="71332" cy="71332"/>
             </a:xfrm>
             <a:prstGeom prst="ellipse">
@@ -37040,7 +37040,7 @@
           </p:nvSpPr>
           <p:spPr>
             <a:xfrm>
-              <a:off x="4590723" y="3708449"/>
+              <a:off x="4545046" y="3708449"/>
               <a:ext cx="71332" cy="71332"/>
             </a:xfrm>
             <a:prstGeom prst="ellipse">
@@ -37075,7 +37075,7 @@
           </p:nvSpPr>
           <p:spPr>
             <a:xfrm>
-              <a:off x="4637445" y="3930110"/>
+              <a:off x="4520667" y="3930110"/>
               <a:ext cx="71332" cy="71332"/>
             </a:xfrm>
             <a:prstGeom prst="ellipse">
@@ -37110,7 +37110,7 @@
           </p:nvSpPr>
           <p:spPr>
             <a:xfrm>
-              <a:off x="4569545" y="3885778"/>
+              <a:off x="4551474" y="3885778"/>
               <a:ext cx="71332" cy="71332"/>
             </a:xfrm>
             <a:prstGeom prst="ellipse">
@@ -37145,7 +37145,7 @@
           </p:nvSpPr>
           <p:spPr>
             <a:xfrm>
-              <a:off x="4632470" y="3708449"/>
+              <a:off x="4611064" y="3708449"/>
               <a:ext cx="71332" cy="71332"/>
             </a:xfrm>
             <a:prstGeom prst="ellipse">
@@ -37180,7 +37180,7 @@
           </p:nvSpPr>
           <p:spPr>
             <a:xfrm>
-              <a:off x="4504963" y="3885778"/>
+              <a:off x="4571169" y="3885778"/>
               <a:ext cx="71332" cy="71332"/>
             </a:xfrm>
             <a:prstGeom prst="ellipse">
@@ -37215,7 +37215,7 @@
           </p:nvSpPr>
           <p:spPr>
             <a:xfrm>
-              <a:off x="4579491" y="4018774"/>
+              <a:off x="4575759" y="4018774"/>
               <a:ext cx="71332" cy="71332"/>
             </a:xfrm>
             <a:prstGeom prst="ellipse">
@@ -37250,7 +37250,7 @@
           </p:nvSpPr>
           <p:spPr>
             <a:xfrm>
-              <a:off x="4631099" y="3841446"/>
+              <a:off x="4528069" y="3841446"/>
               <a:ext cx="71332" cy="71332"/>
             </a:xfrm>
             <a:prstGeom prst="ellipse">
@@ -37285,7 +37285,7 @@
           </p:nvSpPr>
           <p:spPr>
             <a:xfrm>
-              <a:off x="4486258" y="3708449"/>
+              <a:off x="4551014" y="3708449"/>
               <a:ext cx="71332" cy="71332"/>
             </a:xfrm>
             <a:prstGeom prst="ellipse">
@@ -37320,7 +37320,7 @@
           </p:nvSpPr>
           <p:spPr>
             <a:xfrm>
-              <a:off x="4563299" y="3752781"/>
+              <a:off x="4502184" y="3752781"/>
               <a:ext cx="71332" cy="71332"/>
             </a:xfrm>
             <a:prstGeom prst="ellipse">
@@ -37355,7 +37355,7 @@
           </p:nvSpPr>
           <p:spPr>
             <a:xfrm>
-              <a:off x="4541322" y="3752781"/>
+              <a:off x="4573718" y="3752781"/>
               <a:ext cx="71332" cy="71332"/>
             </a:xfrm>
             <a:prstGeom prst="ellipse">
@@ -37390,7 +37390,7 @@
           </p:nvSpPr>
           <p:spPr>
             <a:xfrm>
-              <a:off x="4466663" y="3930110"/>
+              <a:off x="4578499" y="3930110"/>
               <a:ext cx="71332" cy="71332"/>
             </a:xfrm>
             <a:prstGeom prst="ellipse">
@@ -37425,7 +37425,7 @@
           </p:nvSpPr>
           <p:spPr>
             <a:xfrm>
-              <a:off x="4524169" y="3797113"/>
+              <a:off x="4618060" y="3797113"/>
               <a:ext cx="71332" cy="71332"/>
             </a:xfrm>
             <a:prstGeom prst="ellipse">
@@ -37460,7 +37460,7 @@
           </p:nvSpPr>
           <p:spPr>
             <a:xfrm>
-              <a:off x="5168403" y="3575453"/>
+              <a:off x="5223065" y="3575453"/>
               <a:ext cx="71332" cy="71332"/>
             </a:xfrm>
             <a:prstGeom prst="ellipse">
@@ -37495,7 +37495,7 @@
           </p:nvSpPr>
           <p:spPr>
             <a:xfrm>
-              <a:off x="5315766" y="3841446"/>
+              <a:off x="5316710" y="3841446"/>
               <a:ext cx="71332" cy="71332"/>
             </a:xfrm>
             <a:prstGeom prst="ellipse">
@@ -37530,7 +37530,7 @@
           </p:nvSpPr>
           <p:spPr>
             <a:xfrm>
-              <a:off x="5258264" y="3708449"/>
+              <a:off x="5306902" y="3708449"/>
               <a:ext cx="71332" cy="71332"/>
             </a:xfrm>
             <a:prstGeom prst="ellipse">
@@ -37565,7 +37565,7 @@
           </p:nvSpPr>
           <p:spPr>
             <a:xfrm>
-              <a:off x="5269622" y="3752781"/>
+              <a:off x="5187284" y="3752781"/>
               <a:ext cx="71332" cy="71332"/>
             </a:xfrm>
             <a:prstGeom prst="ellipse">
@@ -37600,7 +37600,7 @@
           </p:nvSpPr>
           <p:spPr>
             <a:xfrm>
-              <a:off x="5318767" y="3708449"/>
+              <a:off x="5345609" y="3708449"/>
               <a:ext cx="71332" cy="71332"/>
             </a:xfrm>
             <a:prstGeom prst="ellipse">
@@ -37635,7 +37635,7 @@
           </p:nvSpPr>
           <p:spPr>
             <a:xfrm>
-              <a:off x="5187758" y="3708449"/>
+              <a:off x="5312428" y="3708449"/>
               <a:ext cx="71332" cy="71332"/>
             </a:xfrm>
             <a:prstGeom prst="ellipse">
@@ -37670,7 +37670,7 @@
           </p:nvSpPr>
           <p:spPr>
             <a:xfrm>
-              <a:off x="5211909" y="3930110"/>
+              <a:off x="5217245" y="3930110"/>
               <a:ext cx="71332" cy="71332"/>
             </a:xfrm>
             <a:prstGeom prst="ellipse">
@@ -37705,7 +37705,7 @@
           </p:nvSpPr>
           <p:spPr>
             <a:xfrm>
-              <a:off x="5217302" y="3752781"/>
+              <a:off x="5217326" y="3752781"/>
               <a:ext cx="71332" cy="71332"/>
             </a:xfrm>
             <a:prstGeom prst="ellipse">
@@ -37740,7 +37740,7 @@
           </p:nvSpPr>
           <p:spPr>
             <a:xfrm>
-              <a:off x="5186200" y="3930110"/>
+              <a:off x="5300984" y="3930110"/>
               <a:ext cx="71332" cy="71332"/>
             </a:xfrm>
             <a:prstGeom prst="ellipse">
@@ -37775,7 +37775,7 @@
           </p:nvSpPr>
           <p:spPr>
             <a:xfrm>
-              <a:off x="5192651" y="3442457"/>
+              <a:off x="5253772" y="3442457"/>
               <a:ext cx="71332" cy="71332"/>
             </a:xfrm>
             <a:prstGeom prst="ellipse">
@@ -37810,7 +37810,7 @@
           </p:nvSpPr>
           <p:spPr>
             <a:xfrm>
-              <a:off x="5343798" y="3619785"/>
+              <a:off x="5321163" y="3619785"/>
               <a:ext cx="71332" cy="71332"/>
             </a:xfrm>
             <a:prstGeom prst="ellipse">
@@ -37845,7 +37845,7 @@
           </p:nvSpPr>
           <p:spPr>
             <a:xfrm>
-              <a:off x="5297321" y="3841446"/>
+              <a:off x="5205131" y="3841446"/>
               <a:ext cx="71332" cy="71332"/>
             </a:xfrm>
             <a:prstGeom prst="ellipse">
@@ -37880,7 +37880,7 @@
           </p:nvSpPr>
           <p:spPr>
             <a:xfrm>
-              <a:off x="5282835" y="3708449"/>
+              <a:off x="5290230" y="3708449"/>
               <a:ext cx="71332" cy="71332"/>
             </a:xfrm>
             <a:prstGeom prst="ellipse">
@@ -37915,7 +37915,7 @@
           </p:nvSpPr>
           <p:spPr>
             <a:xfrm>
-              <a:off x="5227490" y="3930110"/>
+              <a:off x="5234456" y="3930110"/>
               <a:ext cx="71332" cy="71332"/>
             </a:xfrm>
             <a:prstGeom prst="ellipse">
@@ -37950,7 +37950,7 @@
           </p:nvSpPr>
           <p:spPr>
             <a:xfrm>
-              <a:off x="5240427" y="3797113"/>
+              <a:off x="5342399" y="3797113"/>
               <a:ext cx="71332" cy="71332"/>
             </a:xfrm>
             <a:prstGeom prst="ellipse">
@@ -37985,7 +37985,7 @@
           </p:nvSpPr>
           <p:spPr>
             <a:xfrm>
-              <a:off x="5350647" y="3619785"/>
+              <a:off x="5173338" y="3619785"/>
               <a:ext cx="71332" cy="71332"/>
             </a:xfrm>
             <a:prstGeom prst="ellipse">
@@ -38020,7 +38020,7 @@
           </p:nvSpPr>
           <p:spPr>
             <a:xfrm>
-              <a:off x="5280313" y="3708449"/>
+              <a:off x="5314183" y="3708449"/>
               <a:ext cx="71332" cy="71332"/>
             </a:xfrm>
             <a:prstGeom prst="ellipse">
@@ -38055,7 +38055,7 @@
           </p:nvSpPr>
           <p:spPr>
             <a:xfrm>
-              <a:off x="5340068" y="3353793"/>
+              <a:off x="5309682" y="3353793"/>
               <a:ext cx="71332" cy="71332"/>
             </a:xfrm>
             <a:prstGeom prst="ellipse">
@@ -38090,7 +38090,7 @@
           </p:nvSpPr>
           <p:spPr>
             <a:xfrm>
-              <a:off x="5276920" y="3885778"/>
+              <a:off x="5266386" y="3885778"/>
               <a:ext cx="71332" cy="71332"/>
             </a:xfrm>
             <a:prstGeom prst="ellipse">
@@ -38125,7 +38125,7 @@
           </p:nvSpPr>
           <p:spPr>
             <a:xfrm>
-              <a:off x="5194832" y="4063106"/>
+              <a:off x="5167571" y="4063106"/>
               <a:ext cx="71332" cy="71332"/>
             </a:xfrm>
             <a:prstGeom prst="ellipse">
@@ -38160,7 +38160,7 @@
           </p:nvSpPr>
           <p:spPr>
             <a:xfrm>
-              <a:off x="5249319" y="3619785"/>
+              <a:off x="5215776" y="3619785"/>
               <a:ext cx="71332" cy="71332"/>
             </a:xfrm>
             <a:prstGeom prst="ellipse">
@@ -38195,7 +38195,7 @@
           </p:nvSpPr>
           <p:spPr>
             <a:xfrm>
-              <a:off x="5159077" y="3797113"/>
+              <a:off x="5188245" y="3797113"/>
               <a:ext cx="71332" cy="71332"/>
             </a:xfrm>
             <a:prstGeom prst="ellipse">
@@ -38230,7 +38230,7 @@
           </p:nvSpPr>
           <p:spPr>
             <a:xfrm>
-              <a:off x="5233085" y="3797113"/>
+              <a:off x="5210319" y="3797113"/>
               <a:ext cx="71332" cy="71332"/>
             </a:xfrm>
             <a:prstGeom prst="ellipse">
@@ -38265,7 +38265,7 @@
           </p:nvSpPr>
           <p:spPr>
             <a:xfrm>
-              <a:off x="5173305" y="3841446"/>
+              <a:off x="5255039" y="3841446"/>
               <a:ext cx="71332" cy="71332"/>
             </a:xfrm>
             <a:prstGeom prst="ellipse">
@@ -38300,7 +38300,7 @@
           </p:nvSpPr>
           <p:spPr>
             <a:xfrm>
-              <a:off x="5286611" y="3575453"/>
+              <a:off x="5281710" y="3575453"/>
               <a:ext cx="71332" cy="71332"/>
             </a:xfrm>
             <a:prstGeom prst="ellipse">
@@ -38335,7 +38335,7 @@
           </p:nvSpPr>
           <p:spPr>
             <a:xfrm>
-              <a:off x="5343974" y="3619785"/>
+              <a:off x="5239959" y="3619785"/>
               <a:ext cx="71332" cy="71332"/>
             </a:xfrm>
             <a:prstGeom prst="ellipse">
@@ -38370,7 +38370,7 @@
           </p:nvSpPr>
           <p:spPr>
             <a:xfrm>
-              <a:off x="5239911" y="3797113"/>
+              <a:off x="5168046" y="3797113"/>
               <a:ext cx="71332" cy="71332"/>
             </a:xfrm>
             <a:prstGeom prst="ellipse">
@@ -38405,7 +38405,7 @@
           </p:nvSpPr>
           <p:spPr>
             <a:xfrm>
-              <a:off x="5247338" y="3708449"/>
+              <a:off x="5288347" y="3708449"/>
               <a:ext cx="71332" cy="71332"/>
             </a:xfrm>
             <a:prstGeom prst="ellipse">
@@ -38440,7 +38440,7 @@
           </p:nvSpPr>
           <p:spPr>
             <a:xfrm>
-              <a:off x="5165161" y="3797113"/>
+              <a:off x="5198857" y="3797113"/>
               <a:ext cx="71332" cy="71332"/>
             </a:xfrm>
             <a:prstGeom prst="ellipse">
@@ -38475,7 +38475,7 @@
           </p:nvSpPr>
           <p:spPr>
             <a:xfrm>
-              <a:off x="5216347" y="3708449"/>
+              <a:off x="5163285" y="3708449"/>
               <a:ext cx="71332" cy="71332"/>
             </a:xfrm>
             <a:prstGeom prst="ellipse">
@@ -38510,7 +38510,7 @@
           </p:nvSpPr>
           <p:spPr>
             <a:xfrm>
-              <a:off x="5150942" y="3797113"/>
+              <a:off x="5166866" y="3797113"/>
               <a:ext cx="71332" cy="71332"/>
             </a:xfrm>
             <a:prstGeom prst="ellipse">
@@ -38545,7 +38545,7 @@
           </p:nvSpPr>
           <p:spPr>
             <a:xfrm>
-              <a:off x="5163430" y="3353793"/>
+              <a:off x="5324374" y="3353793"/>
               <a:ext cx="71332" cy="71332"/>
             </a:xfrm>
             <a:prstGeom prst="ellipse">
@@ -38580,7 +38580,7 @@
           </p:nvSpPr>
           <p:spPr>
             <a:xfrm>
-              <a:off x="5290521" y="3797113"/>
+              <a:off x="5274420" y="3797113"/>
               <a:ext cx="71332" cy="71332"/>
             </a:xfrm>
             <a:prstGeom prst="ellipse">
@@ -38615,7 +38615,7 @@
           </p:nvSpPr>
           <p:spPr>
             <a:xfrm>
-              <a:off x="5351693" y="3797113"/>
+              <a:off x="5260008" y="3797113"/>
               <a:ext cx="71332" cy="71332"/>
             </a:xfrm>
             <a:prstGeom prst="ellipse">
@@ -38650,7 +38650,7 @@
           </p:nvSpPr>
           <p:spPr>
             <a:xfrm>
-              <a:off x="5237773" y="3885778"/>
+              <a:off x="5172105" y="3885778"/>
               <a:ext cx="71332" cy="71332"/>
             </a:xfrm>
             <a:prstGeom prst="ellipse">
@@ -38685,7 +38685,7 @@
           </p:nvSpPr>
           <p:spPr>
             <a:xfrm>
-              <a:off x="5164760" y="3708449"/>
+              <a:off x="5234710" y="3708449"/>
               <a:ext cx="71332" cy="71332"/>
             </a:xfrm>
             <a:prstGeom prst="ellipse">
@@ -38720,7 +38720,7 @@
           </p:nvSpPr>
           <p:spPr>
             <a:xfrm>
-              <a:off x="5173938" y="3531121"/>
+              <a:off x="5237699" y="3531121"/>
               <a:ext cx="71332" cy="71332"/>
             </a:xfrm>
             <a:prstGeom prst="ellipse">
@@ -38755,7 +38755,7 @@
           </p:nvSpPr>
           <p:spPr>
             <a:xfrm>
-              <a:off x="5305289" y="3664117"/>
+              <a:off x="5257362" y="3664117"/>
               <a:ext cx="71332" cy="71332"/>
             </a:xfrm>
             <a:prstGeom prst="ellipse">
@@ -38790,7 +38790,7 @@
           </p:nvSpPr>
           <p:spPr>
             <a:xfrm>
-              <a:off x="5304677" y="3708449"/>
+              <a:off x="5269738" y="3708449"/>
               <a:ext cx="71332" cy="71332"/>
             </a:xfrm>
             <a:prstGeom prst="ellipse">
@@ -38825,7 +38825,7 @@
           </p:nvSpPr>
           <p:spPr>
             <a:xfrm>
-              <a:off x="5287073" y="3664117"/>
+              <a:off x="5187209" y="3664117"/>
               <a:ext cx="71332" cy="71332"/>
             </a:xfrm>
             <a:prstGeom prst="ellipse">
@@ -38860,7 +38860,7 @@
           </p:nvSpPr>
           <p:spPr>
             <a:xfrm>
-              <a:off x="5322357" y="3664117"/>
+              <a:off x="5227690" y="3664117"/>
               <a:ext cx="71332" cy="71332"/>
             </a:xfrm>
             <a:prstGeom prst="ellipse">
@@ -38895,7 +38895,7 @@
           </p:nvSpPr>
           <p:spPr>
             <a:xfrm>
-              <a:off x="5334585" y="3664117"/>
+              <a:off x="5163672" y="3664117"/>
               <a:ext cx="71332" cy="71332"/>
             </a:xfrm>
             <a:prstGeom prst="ellipse">
@@ -38930,7 +38930,7 @@
           </p:nvSpPr>
           <p:spPr>
             <a:xfrm>
-              <a:off x="5313561" y="3841446"/>
+              <a:off x="5281535" y="3841446"/>
               <a:ext cx="71332" cy="71332"/>
             </a:xfrm>
             <a:prstGeom prst="ellipse">
@@ -38965,7 +38965,7 @@
           </p:nvSpPr>
           <p:spPr>
             <a:xfrm>
-              <a:off x="5226804" y="3619785"/>
+              <a:off x="5279396" y="3619785"/>
               <a:ext cx="71332" cy="71332"/>
             </a:xfrm>
             <a:prstGeom prst="ellipse">
@@ -39000,7 +39000,7 @@
           </p:nvSpPr>
           <p:spPr>
             <a:xfrm>
-              <a:off x="5322048" y="3575453"/>
+              <a:off x="5247877" y="3575453"/>
               <a:ext cx="71332" cy="71332"/>
             </a:xfrm>
             <a:prstGeom prst="ellipse">
@@ -39035,7 +39035,7 @@
           </p:nvSpPr>
           <p:spPr>
             <a:xfrm>
-              <a:off x="5196636" y="3708449"/>
+              <a:off x="5237260" y="3708449"/>
               <a:ext cx="71332" cy="71332"/>
             </a:xfrm>
             <a:prstGeom prst="ellipse">
@@ -39070,7 +39070,7 @@
           </p:nvSpPr>
           <p:spPr>
             <a:xfrm>
-              <a:off x="5290800" y="3930110"/>
+              <a:off x="5287853" y="3930110"/>
               <a:ext cx="71332" cy="71332"/>
             </a:xfrm>
             <a:prstGeom prst="ellipse">
@@ -39105,7 +39105,7 @@
           </p:nvSpPr>
           <p:spPr>
             <a:xfrm>
-              <a:off x="5179379" y="3708449"/>
+              <a:off x="5212790" y="3708449"/>
               <a:ext cx="71332" cy="71332"/>
             </a:xfrm>
             <a:prstGeom prst="ellipse">
@@ -39140,7 +39140,7 @@
           </p:nvSpPr>
           <p:spPr>
             <a:xfrm>
-              <a:off x="5188027" y="3531121"/>
+              <a:off x="5275794" y="3531121"/>
               <a:ext cx="71332" cy="71332"/>
             </a:xfrm>
             <a:prstGeom prst="ellipse">
@@ -39175,7 +39175,7 @@
           </p:nvSpPr>
           <p:spPr>
             <a:xfrm>
-              <a:off x="5285575" y="3708449"/>
+              <a:off x="5310356" y="3708449"/>
               <a:ext cx="71332" cy="71332"/>
             </a:xfrm>
             <a:prstGeom prst="ellipse">
@@ -39241,18 +39241,18 @@
           </p:nvSpPr>
           <p:spPr>
             <a:xfrm>
-              <a:off x="4603671" y="3375943"/>
-              <a:ext cx="1" cy="178787"/>
+              <a:off x="4603669" y="3375945"/>
+              <a:ext cx="2" cy="178785"/>
             </a:xfrm>
             <a:custGeom>
               <a:avLst/>
               <a:pathLst>
-                <a:path w="1" h="178787">
+                <a:path w="2" h="178785">
                   <a:moveTo>
-                    <a:pt x="1" y="0"/>
+                    <a:pt x="0" y="0"/>
                   </a:moveTo>
                   <a:lnTo>
-                    <a:pt x="0" y="178787"/>
+                    <a:pt x="2" y="178785"/>
                   </a:lnTo>
                 </a:path>
               </a:pathLst>
@@ -39272,18 +39272,18 @@
           </p:nvSpPr>
           <p:spPr>
             <a:xfrm>
-              <a:off x="5285268" y="3287279"/>
-              <a:ext cx="0" cy="178787"/>
+              <a:off x="5285268" y="3287280"/>
+              <a:ext cx="0" cy="178786"/>
             </a:xfrm>
             <a:custGeom>
               <a:avLst/>
               <a:pathLst>
-                <a:path w="0" h="178787">
+                <a:path w="0" h="178786">
                   <a:moveTo>
                     <a:pt x="0" y="0"/>
                   </a:moveTo>
                   <a:lnTo>
-                    <a:pt x="0" y="178787"/>
+                    <a:pt x="0" y="178786"/>
                   </a:lnTo>
                 </a:path>
               </a:pathLst>
@@ -39303,7 +39303,7 @@
           </p:nvSpPr>
           <p:spPr>
             <a:xfrm>
-              <a:off x="3885982" y="2954770"/>
+              <a:off x="3885983" y="2954770"/>
               <a:ext cx="72184" cy="75389"/>
             </a:xfrm>
             <a:prstGeom prst="rect">
@@ -39349,7 +39349,7 @@
           </p:nvSpPr>
           <p:spPr>
             <a:xfrm>
-              <a:off x="4563446" y="3277693"/>
+              <a:off x="4563442" y="3277696"/>
               <a:ext cx="80453" cy="75389"/>
             </a:xfrm>
             <a:prstGeom prst="rect">
@@ -39395,7 +39395,7 @@
           </p:nvSpPr>
           <p:spPr>
             <a:xfrm>
-              <a:off x="5243599" y="3162810"/>
+              <a:off x="5243599" y="3162811"/>
               <a:ext cx="83338" cy="101609"/>
             </a:xfrm>
             <a:prstGeom prst="rect">
